--- a/slides/03-rag.pptx
+++ b/slides/03-rag.pptx
@@ -2452,7 +2452,7 @@
           <a:p>
             <a:fld id="{855B53BB-9CA8-4E36-AA7C-C10D869BF69A}" type="datetimeFigureOut">
               <a:rPr lang="en-US" smtClean="0"/>
-              <a:t>8/5/24</a:t>
+              <a:t>9/27/24</a:t>
             </a:fld>
             <a:endParaRPr lang="en-US"/>
           </a:p>
@@ -3076,7 +3076,7 @@
                 <a:tabLst/>
                 <a:defRPr/>
               </a:pPr>
-              <a:t>8/5/24 4:08 PM</a:t>
+              <a:t>9/27/24 3:36 PM</a:t>
             </a:fld>
             <a:endParaRPr kumimoji="0" lang="en-US" sz="1200" b="0" i="0" u="none" strike="noStrike" kern="1200" cap="none" spc="0" normalizeH="0" baseline="0" noProof="0" dirty="0">
               <a:ln>
@@ -3508,7 +3508,7 @@
                 <a:tabLst/>
                 <a:defRPr/>
               </a:pPr>
-              <a:t>8/5/24 4:08 PM</a:t>
+              <a:t>9/27/24 3:36 PM</a:t>
             </a:fld>
             <a:endParaRPr kumimoji="0" lang="en-US" sz="1200" b="0" i="0" u="none" strike="noStrike" kern="1200" cap="none" spc="0" normalizeH="0" baseline="0" noProof="0" dirty="0">
               <a:ln>
@@ -4385,7 +4385,7 @@
                 <a:tabLst/>
                 <a:defRPr/>
               </a:pPr>
-              <a:t>8/5/24 4:08 PM</a:t>
+              <a:t>9/27/24 3:20 PM</a:t>
             </a:fld>
             <a:endParaRPr kumimoji="0" lang="en-US" sz="1200" b="0" i="0" u="none" strike="noStrike" kern="1200" cap="none" spc="0" normalizeH="0" baseline="0" noProof="0" dirty="0">
               <a:ln>
@@ -4873,7 +4873,7 @@
                 <a:tabLst/>
                 <a:defRPr/>
               </a:pPr>
-              <a:t>8/5/24 4:08 PM</a:t>
+              <a:t>9/27/24 3:20 PM</a:t>
             </a:fld>
             <a:endParaRPr kumimoji="0" lang="en-US" sz="1200" b="0" i="0" u="none" strike="noStrike" kern="1200" cap="none" spc="0" normalizeH="0" baseline="0" noProof="0" dirty="0">
               <a:ln>
@@ -5301,7 +5301,7 @@
                 <a:tabLst/>
                 <a:defRPr/>
               </a:pPr>
-              <a:t>8/5/24 4:08 PM</a:t>
+              <a:t>9/27/24 3:20 PM</a:t>
             </a:fld>
             <a:endParaRPr kumimoji="0" lang="en-US" sz="1200" b="0" i="0" u="none" strike="noStrike" kern="1200" cap="none" spc="0" normalizeH="0" baseline="0" noProof="0" dirty="0">
               <a:ln>
@@ -5769,7 +5769,7 @@
                 <a:tabLst/>
                 <a:defRPr/>
               </a:pPr>
-              <a:t>8/5/24 4:08 PM</a:t>
+              <a:t>9/27/24 3:20 PM</a:t>
             </a:fld>
             <a:endParaRPr kumimoji="0" lang="en-US" sz="1200" b="0" i="0" u="none" strike="noStrike" kern="1200" cap="none" spc="0" normalizeH="0" baseline="0" noProof="0" dirty="0">
               <a:ln>
@@ -6266,7 +6266,7 @@
                 <a:tabLst/>
                 <a:defRPr/>
               </a:pPr>
-              <a:t>8/5/24 4:08 PM</a:t>
+              <a:t>9/27/24 3:20 PM</a:t>
             </a:fld>
             <a:endParaRPr kumimoji="0" lang="en-US" sz="1200" b="0" i="0" u="none" strike="noStrike" kern="1200" cap="none" spc="0" normalizeH="0" baseline="0" noProof="0" dirty="0">
               <a:ln>
@@ -6686,7 +6686,7 @@
                 <a:tabLst/>
                 <a:defRPr/>
               </a:pPr>
-              <a:t>8/5/24 4:08 PM</a:t>
+              <a:t>9/27/24 3:33 PM</a:t>
             </a:fld>
             <a:endParaRPr kumimoji="0" lang="en-US" sz="1200" b="0" i="0" u="none" strike="noStrike" kern="1200" cap="none" spc="0" normalizeH="0" baseline="0" noProof="0" dirty="0">
               <a:ln>
@@ -7102,7 +7102,7 @@
                 <a:tabLst/>
                 <a:defRPr/>
               </a:pPr>
-              <a:t>8/5/24 4:08 PM</a:t>
+              <a:t>9/27/24 3:35 PM</a:t>
             </a:fld>
             <a:endParaRPr kumimoji="0" lang="en-US" sz="1200" b="0" i="0" u="none" strike="noStrike" kern="1200" cap="none" spc="0" normalizeH="0" baseline="0" noProof="0" dirty="0">
               <a:ln>
@@ -7493,7 +7493,7 @@
                 <a:tabLst/>
                 <a:defRPr/>
               </a:pPr>
-              <a:t>8/5/24 4:08 PM</a:t>
+              <a:t>9/27/24 3:36 PM</a:t>
             </a:fld>
             <a:endParaRPr kumimoji="0" lang="en-US" sz="1200" b="0" i="0" u="none" strike="noStrike" kern="1200" cap="none" spc="0" normalizeH="0" baseline="0" noProof="0" dirty="0">
               <a:ln>
@@ -25437,44 +25437,9 @@
           <a:chExt cx="0" cy="0"/>
         </a:xfrm>
       </p:grpSpPr>
-      <p:sp>
-        <p:nvSpPr>
-          <p:cNvPr id="17" name="Title 16">
-            <a:extLst>
-              <a:ext uri="{FF2B5EF4-FFF2-40B4-BE49-F238E27FC236}">
-                <a16:creationId xmlns:a16="http://schemas.microsoft.com/office/drawing/2014/main" id="{67A634B5-0BC7-2164-E255-D13167890A3F}"/>
-              </a:ext>
-            </a:extLst>
-          </p:cNvPr>
-          <p:cNvSpPr>
-            <a:spLocks noGrp="1"/>
-          </p:cNvSpPr>
-          <p:nvPr>
-            <p:ph type="title"/>
-          </p:nvPr>
-        </p:nvSpPr>
-        <p:spPr>
-          <a:xfrm>
-            <a:off x="588263" y="457200"/>
-            <a:ext cx="11018520" cy="553998"/>
-          </a:xfrm>
-        </p:spPr>
-        <p:txBody>
-          <a:bodyPr wrap="square" anchor="t">
-            <a:normAutofit/>
-          </a:bodyPr>
-          <a:lstStyle/>
-          <a:p>
-            <a:r>
-              <a:rPr lang="en-US" dirty="0"/>
-              <a:t>Retrieval and context augmentation</a:t>
-            </a:r>
-          </a:p>
-        </p:txBody>
-      </p:sp>
       <p:pic>
         <p:nvPicPr>
-          <p:cNvPr id="2" name="Picture 2">
+          <p:cNvPr id="2" name="Picture 2" descr="A diagram showing how the resulting vector is sent to the vector database to perform the vector search, result in top N matching documents">
             <a:extLst>
               <a:ext uri="{FF2B5EF4-FFF2-40B4-BE49-F238E27FC236}">
                 <a16:creationId xmlns:a16="http://schemas.microsoft.com/office/drawing/2014/main" id="{1256B096-81B6-DB05-CB2F-8296574BBC0B}"/>
@@ -25517,6 +25482,9 @@
             <a:extLst>
               <a:ext uri="{FF2B5EF4-FFF2-40B4-BE49-F238E27FC236}">
                 <a16:creationId xmlns:a16="http://schemas.microsoft.com/office/drawing/2014/main" id="{42AC14FD-BB48-BAE4-DA8C-E899EB20D04B}"/>
+              </a:ext>
+              <a:ext uri="{C183D7F6-B498-43B3-948B-1728B52AA6E4}">
+                <adec:decorative xmlns:adec="http://schemas.microsoft.com/office/drawing/2017/decorative" val="1"/>
               </a:ext>
             </a:extLst>
           </p:cNvPr>
@@ -25680,6 +25648,9 @@
               <a:ext uri="{FF2B5EF4-FFF2-40B4-BE49-F238E27FC236}">
                 <a16:creationId xmlns:a16="http://schemas.microsoft.com/office/drawing/2014/main" id="{526DF377-C5BC-FF56-5998-CE17C819A775}"/>
               </a:ext>
+              <a:ext uri="{C183D7F6-B498-43B3-948B-1728B52AA6E4}">
+                <adec:decorative xmlns:adec="http://schemas.microsoft.com/office/drawing/2017/decorative" val="1"/>
+              </a:ext>
             </a:extLst>
           </p:cNvPr>
           <p:cNvSpPr/>
@@ -25750,6 +25721,9 @@
             <a:extLst>
               <a:ext uri="{FF2B5EF4-FFF2-40B4-BE49-F238E27FC236}">
                 <a16:creationId xmlns:a16="http://schemas.microsoft.com/office/drawing/2014/main" id="{F1AA442C-F658-C36D-F6B4-478DE576DCC3}"/>
+              </a:ext>
+              <a:ext uri="{C183D7F6-B498-43B3-948B-1728B52AA6E4}">
+                <adec:decorative xmlns:adec="http://schemas.microsoft.com/office/drawing/2017/decorative" val="1"/>
               </a:ext>
             </a:extLst>
           </p:cNvPr>
@@ -26051,6 +26025,9 @@
               <a:ext uri="{FF2B5EF4-FFF2-40B4-BE49-F238E27FC236}">
                 <a16:creationId xmlns:a16="http://schemas.microsoft.com/office/drawing/2014/main" id="{354D0B91-DFF1-7EAD-29B9-A85A6E671A5B}"/>
               </a:ext>
+              <a:ext uri="{C183D7F6-B498-43B3-948B-1728B52AA6E4}">
+                <adec:decorative xmlns:adec="http://schemas.microsoft.com/office/drawing/2017/decorative" val="1"/>
+              </a:ext>
             </a:extLst>
           </p:cNvPr>
           <p:cNvSpPr/>
@@ -26114,6 +26091,119 @@
               <a:ea typeface="Segoe UI" pitchFamily="34" charset="0"/>
               <a:cs typeface="Segoe UI" pitchFamily="34" charset="0"/>
             </a:endParaRPr>
+          </a:p>
+        </p:txBody>
+      </p:sp>
+      <p:sp>
+        <p:nvSpPr>
+          <p:cNvPr id="17" name="Title 16">
+            <a:extLst>
+              <a:ext uri="{FF2B5EF4-FFF2-40B4-BE49-F238E27FC236}">
+                <a16:creationId xmlns:a16="http://schemas.microsoft.com/office/drawing/2014/main" id="{67A634B5-0BC7-2164-E255-D13167890A3F}"/>
+              </a:ext>
+              <a:ext uri="{C183D7F6-B498-43B3-948B-1728B52AA6E4}">
+                <adec:decorative xmlns:adec="http://schemas.microsoft.com/office/drawing/2017/decorative" val="1"/>
+              </a:ext>
+            </a:extLst>
+          </p:cNvPr>
+          <p:cNvSpPr>
+            <a:spLocks noGrp="1"/>
+          </p:cNvSpPr>
+          <p:nvPr>
+            <p:ph type="title"/>
+          </p:nvPr>
+        </p:nvSpPr>
+        <p:spPr>
+          <a:xfrm>
+            <a:off x="588263" y="457200"/>
+            <a:ext cx="11018520" cy="553998"/>
+          </a:xfrm>
+        </p:spPr>
+        <p:txBody>
+          <a:bodyPr wrap="square" anchor="t">
+            <a:normAutofit/>
+          </a:bodyPr>
+          <a:lstStyle/>
+          <a:p>
+            <a:r>
+              <a:rPr lang="en-US" dirty="0"/>
+              <a:t>Retrieval and context augmentation</a:t>
+            </a:r>
+          </a:p>
+        </p:txBody>
+      </p:sp>
+      <p:sp>
+        <p:nvSpPr>
+          <p:cNvPr id="8" name="Title 16">
+            <a:extLst>
+              <a:ext uri="{FF2B5EF4-FFF2-40B4-BE49-F238E27FC236}">
+                <a16:creationId xmlns:a16="http://schemas.microsoft.com/office/drawing/2014/main" id="{A68032A0-4818-EB7C-32B5-BD83ECFF5358}"/>
+              </a:ext>
+            </a:extLst>
+          </p:cNvPr>
+          <p:cNvSpPr txBox="1">
+            <a:spLocks/>
+          </p:cNvSpPr>
+          <p:nvPr/>
+        </p:nvSpPr>
+        <p:spPr>
+          <a:xfrm>
+            <a:off x="137160" y="7135819"/>
+            <a:ext cx="11018520" cy="553998"/>
+          </a:xfrm>
+          <a:prstGeom prst="rect">
+            <a:avLst/>
+          </a:prstGeom>
+          <a:noFill/>
+          <a:ln>
+            <a:noFill/>
+            <a:prstDash/>
+          </a:ln>
+          <a:effectLst/>
+        </p:spPr>
+        <p:txBody>
+          <a:bodyPr rot="0" spcFirstLastPara="0" vertOverflow="overflow" horzOverflow="overflow" vert="horz" wrap="square" lIns="0" tIns="0" rIns="0" bIns="0" numCol="1" spcCol="0" rtlCol="0" fromWordArt="0" anchor="t" anchorCtr="0" forceAA="0" compatLnSpc="1">
+            <a:prstTxWarp prst="textNoShape">
+              <a:avLst/>
+            </a:prstTxWarp>
+            <a:normAutofit/>
+          </a:bodyPr>
+          <a:lstStyle>
+            <a:lvl1pPr algn="l" defTabSz="932742" rtl="0" eaLnBrk="1" latinLnBrk="0" hangingPunct="1">
+              <a:lnSpc>
+                <a:spcPct val="100000"/>
+              </a:lnSpc>
+              <a:spcBef>
+                <a:spcPct val="0"/>
+              </a:spcBef>
+              <a:buNone/>
+              <a:defRPr lang="en-US" sz="3600" b="0" kern="1200" cap="none" spc="-50" baseline="0">
+                <a:ln w="3175">
+                  <a:noFill/>
+                </a:ln>
+                <a:solidFill>
+                  <a:schemeClr val="tx2"/>
+                </a:solidFill>
+                <a:effectLst/>
+                <a:latin typeface="+mj-lt"/>
+                <a:ea typeface="+mn-ea"/>
+                <a:cs typeface="Segoe UI" pitchFamily="34" charset="0"/>
+              </a:defRPr>
+            </a:lvl1pPr>
+          </a:lstStyle>
+          <a:p>
+            <a:pPr>
+              <a:defRPr/>
+            </a:pPr>
+            <a:r>
+              <a:rPr lang="en-GB" sz="2400" dirty="0">
+                <a:solidFill>
+                  <a:schemeClr val="tx1"/>
+                </a:solidFill>
+                <a:latin typeface="+mn-lt"/>
+              </a:rPr>
+              <a:t>Retrieval and context augmentation (3/4)</a:t>
+            </a:r>
           </a:p>
         </p:txBody>
       </p:sp>
@@ -26305,44 +26395,9 @@
           <a:chExt cx="0" cy="0"/>
         </a:xfrm>
       </p:grpSpPr>
-      <p:sp>
-        <p:nvSpPr>
-          <p:cNvPr id="17" name="Title 16">
-            <a:extLst>
-              <a:ext uri="{FF2B5EF4-FFF2-40B4-BE49-F238E27FC236}">
-                <a16:creationId xmlns:a16="http://schemas.microsoft.com/office/drawing/2014/main" id="{A5B55655-F577-3BEC-19F3-C5D21CA8EC35}"/>
-              </a:ext>
-            </a:extLst>
-          </p:cNvPr>
-          <p:cNvSpPr>
-            <a:spLocks noGrp="1"/>
-          </p:cNvSpPr>
-          <p:nvPr>
-            <p:ph type="title"/>
-          </p:nvPr>
-        </p:nvSpPr>
-        <p:spPr>
-          <a:xfrm>
-            <a:off x="588263" y="457200"/>
-            <a:ext cx="11018520" cy="553998"/>
-          </a:xfrm>
-        </p:spPr>
-        <p:txBody>
-          <a:bodyPr wrap="square" anchor="t">
-            <a:normAutofit/>
-          </a:bodyPr>
-          <a:lstStyle/>
-          <a:p>
-            <a:r>
-              <a:rPr lang="en-US" dirty="0"/>
-              <a:t>Retrieval and context augmentation</a:t>
-            </a:r>
-          </a:p>
-        </p:txBody>
-      </p:sp>
       <p:pic>
         <p:nvPicPr>
-          <p:cNvPr id="2" name="Picture 2">
+          <p:cNvPr id="2" name="Picture 2" descr="A diagram showing how the resulting documents are combined with the original question to form a new prompt">
             <a:extLst>
               <a:ext uri="{FF2B5EF4-FFF2-40B4-BE49-F238E27FC236}">
                 <a16:creationId xmlns:a16="http://schemas.microsoft.com/office/drawing/2014/main" id="{0E26D98E-00AC-5F0C-E364-E9A15261D436}"/>
@@ -26385,6 +26440,9 @@
             <a:extLst>
               <a:ext uri="{FF2B5EF4-FFF2-40B4-BE49-F238E27FC236}">
                 <a16:creationId xmlns:a16="http://schemas.microsoft.com/office/drawing/2014/main" id="{C61EA140-83E4-76E9-C816-E4244AB4FC58}"/>
+              </a:ext>
+              <a:ext uri="{C183D7F6-B498-43B3-948B-1728B52AA6E4}">
+                <adec:decorative xmlns:adec="http://schemas.microsoft.com/office/drawing/2017/decorative" val="1"/>
               </a:ext>
             </a:extLst>
           </p:cNvPr>
@@ -26783,6 +26841,9 @@
               <a:ext uri="{FF2B5EF4-FFF2-40B4-BE49-F238E27FC236}">
                 <a16:creationId xmlns:a16="http://schemas.microsoft.com/office/drawing/2014/main" id="{3A1A7261-40A8-E920-889C-6EF41EA667FB}"/>
               </a:ext>
+              <a:ext uri="{C183D7F6-B498-43B3-948B-1728B52AA6E4}">
+                <adec:decorative xmlns:adec="http://schemas.microsoft.com/office/drawing/2017/decorative" val="1"/>
+              </a:ext>
             </a:extLst>
           </p:cNvPr>
           <p:cNvSpPr/>
@@ -26856,6 +26917,9 @@
               <a:ext uri="{FF2B5EF4-FFF2-40B4-BE49-F238E27FC236}">
                 <a16:creationId xmlns:a16="http://schemas.microsoft.com/office/drawing/2014/main" id="{ADCB0971-B307-269B-3EF2-3557294931DA}"/>
               </a:ext>
+              <a:ext uri="{C183D7F6-B498-43B3-948B-1728B52AA6E4}">
+                <adec:decorative xmlns:adec="http://schemas.microsoft.com/office/drawing/2017/decorative" val="1"/>
+              </a:ext>
             </a:extLst>
           </p:cNvPr>
           <p:cNvSpPr/>
@@ -26929,6 +26993,9 @@
               <a:ext uri="{FF2B5EF4-FFF2-40B4-BE49-F238E27FC236}">
                 <a16:creationId xmlns:a16="http://schemas.microsoft.com/office/drawing/2014/main" id="{FCB90159-C492-611A-02EA-505BA7BB1FA2}"/>
               </a:ext>
+              <a:ext uri="{C183D7F6-B498-43B3-948B-1728B52AA6E4}">
+                <adec:decorative xmlns:adec="http://schemas.microsoft.com/office/drawing/2017/decorative" val="1"/>
+              </a:ext>
             </a:extLst>
           </p:cNvPr>
           <p:cNvSpPr/>
@@ -27002,6 +27069,9 @@
               <a:ext uri="{FF2B5EF4-FFF2-40B4-BE49-F238E27FC236}">
                 <a16:creationId xmlns:a16="http://schemas.microsoft.com/office/drawing/2014/main" id="{7CA424E9-CBE9-976A-3A13-7C89D90E9C96}"/>
               </a:ext>
+              <a:ext uri="{C183D7F6-B498-43B3-948B-1728B52AA6E4}">
+                <adec:decorative xmlns:adec="http://schemas.microsoft.com/office/drawing/2017/decorative" val="1"/>
+              </a:ext>
             </a:extLst>
           </p:cNvPr>
           <p:cNvSpPr/>
@@ -27075,6 +27145,9 @@
               <a:ext uri="{FF2B5EF4-FFF2-40B4-BE49-F238E27FC236}">
                 <a16:creationId xmlns:a16="http://schemas.microsoft.com/office/drawing/2014/main" id="{D63C3747-E656-04A6-C819-4FF82E8C5F22}"/>
               </a:ext>
+              <a:ext uri="{C183D7F6-B498-43B3-948B-1728B52AA6E4}">
+                <adec:decorative xmlns:adec="http://schemas.microsoft.com/office/drawing/2017/decorative" val="1"/>
+              </a:ext>
             </a:extLst>
           </p:cNvPr>
           <p:cNvPicPr>
@@ -27112,6 +27185,9 @@
             <a:extLst>
               <a:ext uri="{FF2B5EF4-FFF2-40B4-BE49-F238E27FC236}">
                 <a16:creationId xmlns:a16="http://schemas.microsoft.com/office/drawing/2014/main" id="{2961C1A7-EFEE-A0E4-9CED-9B29852FCC2C}"/>
+              </a:ext>
+              <a:ext uri="{C183D7F6-B498-43B3-948B-1728B52AA6E4}">
+                <adec:decorative xmlns:adec="http://schemas.microsoft.com/office/drawing/2017/decorative" val="1"/>
               </a:ext>
             </a:extLst>
           </p:cNvPr>
@@ -27212,6 +27288,197 @@
           </a:solidFill>
         </p:spPr>
       </p:pic>
+      <p:sp>
+        <p:nvSpPr>
+          <p:cNvPr id="17" name="Title 16">
+            <a:extLst>
+              <a:ext uri="{FF2B5EF4-FFF2-40B4-BE49-F238E27FC236}">
+                <a16:creationId xmlns:a16="http://schemas.microsoft.com/office/drawing/2014/main" id="{A5B55655-F577-3BEC-19F3-C5D21CA8EC35}"/>
+              </a:ext>
+              <a:ext uri="{C183D7F6-B498-43B3-948B-1728B52AA6E4}">
+                <adec:decorative xmlns:adec="http://schemas.microsoft.com/office/drawing/2017/decorative" val="1"/>
+              </a:ext>
+            </a:extLst>
+          </p:cNvPr>
+          <p:cNvSpPr>
+            <a:spLocks/>
+          </p:cNvSpPr>
+          <p:nvPr/>
+        </p:nvSpPr>
+        <p:spPr>
+          <a:xfrm>
+            <a:off x="588263" y="457200"/>
+            <a:ext cx="11018520" cy="553998"/>
+          </a:xfrm>
+          <a:prstGeom prst="rect">
+            <a:avLst/>
+          </a:prstGeom>
+          <a:noFill/>
+          <a:ln>
+            <a:noFill/>
+            <a:prstDash/>
+          </a:ln>
+          <a:effectLst/>
+        </p:spPr>
+        <p:txBody>
+          <a:bodyPr rot="0" spcFirstLastPara="0" vertOverflow="overflow" horzOverflow="overflow" vert="horz" wrap="square" lIns="0" tIns="0" rIns="0" bIns="0" numCol="1" spcCol="0" rtlCol="0" fromWordArt="0" anchor="t" anchorCtr="0" forceAA="0" compatLnSpc="1">
+            <a:prstTxWarp prst="textNoShape">
+              <a:avLst/>
+            </a:prstTxWarp>
+            <a:normAutofit/>
+          </a:bodyPr>
+          <a:lstStyle/>
+          <a:p>
+            <a:pPr marL="0" marR="0" lvl="0" indent="0" algn="l" defTabSz="932742" rtl="0" eaLnBrk="1" fontAlgn="auto" latinLnBrk="0" hangingPunct="1">
+              <a:lnSpc>
+                <a:spcPct val="100000"/>
+              </a:lnSpc>
+              <a:spcBef>
+                <a:spcPct val="0"/>
+              </a:spcBef>
+              <a:spcAft>
+                <a:spcPts val="0"/>
+              </a:spcAft>
+              <a:buClrTx/>
+              <a:buSzTx/>
+              <a:buFontTx/>
+              <a:buNone/>
+              <a:tabLst/>
+              <a:defRPr/>
+            </a:pPr>
+            <a:r>
+              <a:rPr kumimoji="0" lang="en-US" sz="3600" b="0" i="0" u="none" strike="noStrike" kern="1200" cap="none" spc="-50" normalizeH="0" baseline="0" noProof="0">
+                <a:ln w="3175">
+                  <a:noFill/>
+                </a:ln>
+                <a:solidFill>
+                  <a:schemeClr val="tx2"/>
+                </a:solidFill>
+                <a:effectLst/>
+                <a:uLnTx/>
+                <a:uFillTx/>
+                <a:latin typeface="+mj-lt"/>
+                <a:ea typeface="+mn-ea"/>
+                <a:cs typeface="Segoe UI" pitchFamily="34" charset="0"/>
+              </a:rPr>
+              <a:t>Retrieval and context augmentation</a:t>
+            </a:r>
+            <a:endParaRPr kumimoji="0" lang="en-US" sz="3600" b="0" i="0" u="none" strike="noStrike" kern="1200" cap="none" spc="-50" normalizeH="0" baseline="0" noProof="0" dirty="0">
+              <a:ln w="3175">
+                <a:noFill/>
+              </a:ln>
+              <a:solidFill>
+                <a:schemeClr val="tx2"/>
+              </a:solidFill>
+              <a:effectLst/>
+              <a:uLnTx/>
+              <a:uFillTx/>
+              <a:latin typeface="+mj-lt"/>
+              <a:ea typeface="+mn-ea"/>
+              <a:cs typeface="Segoe UI" pitchFamily="34" charset="0"/>
+            </a:endParaRPr>
+          </a:p>
+        </p:txBody>
+      </p:sp>
+      <p:sp>
+        <p:nvSpPr>
+          <p:cNvPr id="6" name="Title 16">
+            <a:extLst>
+              <a:ext uri="{FF2B5EF4-FFF2-40B4-BE49-F238E27FC236}">
+                <a16:creationId xmlns:a16="http://schemas.microsoft.com/office/drawing/2014/main" id="{7DBBF439-B819-C9D7-9EFA-FEC130F56B25}"/>
+              </a:ext>
+            </a:extLst>
+          </p:cNvPr>
+          <p:cNvSpPr txBox="1">
+            <a:spLocks noGrp="1"/>
+          </p:cNvSpPr>
+          <p:nvPr>
+            <p:ph type="title" idx="4294967295"/>
+          </p:nvPr>
+        </p:nvSpPr>
+        <p:spPr>
+          <a:xfrm>
+            <a:off x="137160" y="7135819"/>
+            <a:ext cx="11018520" cy="553998"/>
+          </a:xfrm>
+          <a:prstGeom prst="rect">
+            <a:avLst/>
+          </a:prstGeom>
+          <a:noFill/>
+          <a:ln>
+            <a:noFill/>
+            <a:prstDash/>
+          </a:ln>
+          <a:effectLst/>
+        </p:spPr>
+        <p:txBody>
+          <a:bodyPr rot="0" spcFirstLastPara="0" vertOverflow="overflow" horzOverflow="overflow" vert="horz" wrap="square" lIns="0" tIns="0" rIns="0" bIns="0" numCol="1" spcCol="0" rtlCol="0" fromWordArt="0" anchor="t" anchorCtr="0" forceAA="0" compatLnSpc="1">
+            <a:prstTxWarp prst="textNoShape">
+              <a:avLst/>
+            </a:prstTxWarp>
+            <a:normAutofit/>
+          </a:bodyPr>
+          <a:lstStyle>
+            <a:lvl1pPr algn="l" defTabSz="932742" rtl="0" eaLnBrk="1" latinLnBrk="0" hangingPunct="1">
+              <a:lnSpc>
+                <a:spcPct val="100000"/>
+              </a:lnSpc>
+              <a:spcBef>
+                <a:spcPct val="0"/>
+              </a:spcBef>
+              <a:buNone/>
+              <a:defRPr lang="en-US" sz="3600" b="0" kern="1200" cap="none" spc="-50" baseline="0">
+                <a:ln w="3175">
+                  <a:noFill/>
+                </a:ln>
+                <a:solidFill>
+                  <a:schemeClr val="tx2"/>
+                </a:solidFill>
+                <a:effectLst/>
+                <a:latin typeface="+mj-lt"/>
+                <a:ea typeface="+mn-ea"/>
+                <a:cs typeface="Segoe UI" pitchFamily="34" charset="0"/>
+              </a:defRPr>
+            </a:lvl1pPr>
+          </a:lstStyle>
+          <a:p>
+            <a:pPr marL="0" marR="0" lvl="0" indent="0" algn="l" defTabSz="932742" rtl="0" eaLnBrk="1" fontAlgn="auto" latinLnBrk="0" hangingPunct="1">
+              <a:lnSpc>
+                <a:spcPct val="100000"/>
+              </a:lnSpc>
+              <a:spcBef>
+                <a:spcPct val="0"/>
+              </a:spcBef>
+              <a:spcAft>
+                <a:spcPts val="0"/>
+              </a:spcAft>
+              <a:buClrTx/>
+              <a:buSzTx/>
+              <a:buFontTx/>
+              <a:buNone/>
+              <a:tabLst/>
+              <a:defRPr/>
+            </a:pPr>
+            <a:r>
+              <a:rPr kumimoji="0" lang="en-GB" sz="2400" b="0" i="0" u="none" strike="noStrike" kern="1200" cap="none" spc="-50" normalizeH="0" baseline="0" noProof="0" dirty="0">
+                <a:ln w="3175">
+                  <a:noFill/>
+                </a:ln>
+                <a:solidFill>
+                  <a:schemeClr val="tx1"/>
+                </a:solidFill>
+                <a:effectLst/>
+                <a:uLnTx/>
+                <a:uFillTx/>
+                <a:latin typeface="+mn-lt"/>
+                <a:ea typeface="+mn-ea"/>
+                <a:cs typeface="Segoe UI" pitchFamily="34" charset="0"/>
+              </a:rPr>
+              <a:t>Retrieval and context augmentation (4/4)</a:t>
+            </a:r>
+          </a:p>
+        </p:txBody>
+      </p:sp>
     </p:spTree>
     <p:extLst>
       <p:ext uri="{BB962C8B-B14F-4D97-AF65-F5344CB8AC3E}">
@@ -28721,6 +28988,9 @@
               <a:ext uri="{FF2B5EF4-FFF2-40B4-BE49-F238E27FC236}">
                 <a16:creationId xmlns:a16="http://schemas.microsoft.com/office/drawing/2014/main" id="{17ADFD34-7BEA-D5E8-5237-08C5E13E8C16}"/>
               </a:ext>
+              <a:ext uri="{C183D7F6-B498-43B3-948B-1728B52AA6E4}">
+                <adec:decorative xmlns:adec="http://schemas.microsoft.com/office/drawing/2017/decorative" val="1"/>
+              </a:ext>
             </a:extLst>
           </p:cNvPr>
           <p:cNvPicPr>
@@ -28767,6 +29037,9 @@
             <a:extLst>
               <a:ext uri="{FF2B5EF4-FFF2-40B4-BE49-F238E27FC236}">
                 <a16:creationId xmlns:a16="http://schemas.microsoft.com/office/drawing/2014/main" id="{F873897A-B026-875B-F2CD-3CE5CA897203}"/>
+              </a:ext>
+              <a:ext uri="{C183D7F6-B498-43B3-948B-1728B52AA6E4}">
+                <adec:decorative xmlns:adec="http://schemas.microsoft.com/office/drawing/2017/decorative" val="1"/>
               </a:ext>
             </a:extLst>
           </p:cNvPr>
@@ -28931,6 +29204,9 @@
               <a:ext uri="{FF2B5EF4-FFF2-40B4-BE49-F238E27FC236}">
                 <a16:creationId xmlns:a16="http://schemas.microsoft.com/office/drawing/2014/main" id="{6D259663-3E3A-2C65-907B-71349AB18D4E}"/>
               </a:ext>
+              <a:ext uri="{C183D7F6-B498-43B3-948B-1728B52AA6E4}">
+                <adec:decorative xmlns:adec="http://schemas.microsoft.com/office/drawing/2017/decorative" val="1"/>
+              </a:ext>
             </a:extLst>
           </p:cNvPr>
           <p:cNvSpPr/>
@@ -29002,6 +29278,9 @@
               <a:ext uri="{FF2B5EF4-FFF2-40B4-BE49-F238E27FC236}">
                 <a16:creationId xmlns:a16="http://schemas.microsoft.com/office/drawing/2014/main" id="{A13F5D91-99E5-F685-B0E4-5BCF2B493371}"/>
               </a:ext>
+              <a:ext uri="{C183D7F6-B498-43B3-948B-1728B52AA6E4}">
+                <adec:decorative xmlns:adec="http://schemas.microsoft.com/office/drawing/2017/decorative" val="1"/>
+              </a:ext>
             </a:extLst>
           </p:cNvPr>
           <p:cNvSpPr/>
@@ -29073,6 +29352,9 @@
               <a:ext uri="{FF2B5EF4-FFF2-40B4-BE49-F238E27FC236}">
                 <a16:creationId xmlns:a16="http://schemas.microsoft.com/office/drawing/2014/main" id="{28707C89-00BE-F631-F1BD-91D6F2E7B644}"/>
               </a:ext>
+              <a:ext uri="{C183D7F6-B498-43B3-948B-1728B52AA6E4}">
+                <adec:decorative xmlns:adec="http://schemas.microsoft.com/office/drawing/2017/decorative" val="1"/>
+              </a:ext>
             </a:extLst>
           </p:cNvPr>
           <p:cNvSpPr/>
@@ -29144,6 +29426,9 @@
               <a:ext uri="{FF2B5EF4-FFF2-40B4-BE49-F238E27FC236}">
                 <a16:creationId xmlns:a16="http://schemas.microsoft.com/office/drawing/2014/main" id="{8CD5A91F-8B28-D830-30E2-06955B24F1EE}"/>
               </a:ext>
+              <a:ext uri="{C183D7F6-B498-43B3-948B-1728B52AA6E4}">
+                <adec:decorative xmlns:adec="http://schemas.microsoft.com/office/drawing/2017/decorative" val="1"/>
+              </a:ext>
             </a:extLst>
           </p:cNvPr>
           <p:cNvSpPr/>
@@ -29215,6 +29500,9 @@
               <a:ext uri="{FF2B5EF4-FFF2-40B4-BE49-F238E27FC236}">
                 <a16:creationId xmlns:a16="http://schemas.microsoft.com/office/drawing/2014/main" id="{6A76E3DD-1AD7-8BEA-9680-5326C2D9CCF2}"/>
               </a:ext>
+              <a:ext uri="{C183D7F6-B498-43B3-948B-1728B52AA6E4}">
+                <adec:decorative xmlns:adec="http://schemas.microsoft.com/office/drawing/2017/decorative" val="1"/>
+              </a:ext>
             </a:extLst>
           </p:cNvPr>
           <p:cNvSpPr/>
@@ -29356,6 +29644,9 @@
               <a:ext uri="{FF2B5EF4-FFF2-40B4-BE49-F238E27FC236}">
                 <a16:creationId xmlns:a16="http://schemas.microsoft.com/office/drawing/2014/main" id="{CD345551-EF4A-5B16-9846-838F765C7FC4}"/>
               </a:ext>
+              <a:ext uri="{C183D7F6-B498-43B3-948B-1728B52AA6E4}">
+                <adec:decorative xmlns:adec="http://schemas.microsoft.com/office/drawing/2017/decorative" val="1"/>
+              </a:ext>
             </a:extLst>
           </p:cNvPr>
           <p:cNvSpPr/>
@@ -29426,6 +29717,9 @@
             <a:extLst>
               <a:ext uri="{FF2B5EF4-FFF2-40B4-BE49-F238E27FC236}">
                 <a16:creationId xmlns:a16="http://schemas.microsoft.com/office/drawing/2014/main" id="{F722D170-BE57-451A-E1AA-F345EACF73D9}"/>
+              </a:ext>
+              <a:ext uri="{C183D7F6-B498-43B3-948B-1728B52AA6E4}">
+                <adec:decorative xmlns:adec="http://schemas.microsoft.com/office/drawing/2017/decorative" val="1"/>
               </a:ext>
             </a:extLst>
           </p:cNvPr>
@@ -30250,37 +30544,9 @@
           <a:chExt cx="0" cy="0"/>
         </a:xfrm>
       </p:grpSpPr>
-      <p:sp>
-        <p:nvSpPr>
-          <p:cNvPr id="17" name="Title 16">
-            <a:extLst>
-              <a:ext uri="{FF2B5EF4-FFF2-40B4-BE49-F238E27FC236}">
-                <a16:creationId xmlns:a16="http://schemas.microsoft.com/office/drawing/2014/main" id="{5C215B79-702F-F216-17F9-6C45E1F09CF2}"/>
-              </a:ext>
-            </a:extLst>
-          </p:cNvPr>
-          <p:cNvSpPr>
-            <a:spLocks noGrp="1"/>
-          </p:cNvSpPr>
-          <p:nvPr>
-            <p:ph type="title"/>
-          </p:nvPr>
-        </p:nvSpPr>
-        <p:spPr/>
-        <p:txBody>
-          <a:bodyPr/>
-          <a:lstStyle/>
-          <a:p>
-            <a:r>
-              <a:rPr lang="en-US" dirty="0"/>
-              <a:t>Retrieval-Augmented Generation (RAG)</a:t>
-            </a:r>
-          </a:p>
-        </p:txBody>
-      </p:sp>
       <p:pic>
         <p:nvPicPr>
-          <p:cNvPr id="2050" name="Picture 2">
+          <p:cNvPr id="2050" name="Picture 2" descr="A diagram showing how RAG works:&#10;- user send a question to retriever&#10;- retriever search for information in knowledgebase, and return documents relevant to the question&#10;- both the question and returned documents are sent to the generator&#10;- generator create a response for the user">
             <a:extLst>
               <a:ext uri="{FF2B5EF4-FFF2-40B4-BE49-F238E27FC236}">
                 <a16:creationId xmlns:a16="http://schemas.microsoft.com/office/drawing/2014/main" id="{D81039C9-A77B-B9B7-8CD5-685237A0BE6F}"/>
@@ -30313,7 +30579,6 @@
           <a:prstGeom prst="rect">
             <a:avLst/>
           </a:prstGeom>
-          <a:noFill/>
           <a:extLst>
             <a:ext uri="{909E8E84-426E-40DD-AFC4-6F175D3DCCD1}">
               <a14:hiddenFill xmlns:a14="http://schemas.microsoft.com/office/drawing/2010/main">
@@ -30331,6 +30596,9 @@
             <a:extLst>
               <a:ext uri="{FF2B5EF4-FFF2-40B4-BE49-F238E27FC236}">
                 <a16:creationId xmlns:a16="http://schemas.microsoft.com/office/drawing/2014/main" id="{096BED04-E764-70E9-77BA-9AD7C79F6CB9}"/>
+              </a:ext>
+              <a:ext uri="{C183D7F6-B498-43B3-948B-1728B52AA6E4}">
+                <adec:decorative xmlns:adec="http://schemas.microsoft.com/office/drawing/2017/decorative" val="1"/>
               </a:ext>
             </a:extLst>
           </p:cNvPr>
@@ -30495,6 +30763,9 @@
               <a:ext uri="{FF2B5EF4-FFF2-40B4-BE49-F238E27FC236}">
                 <a16:creationId xmlns:a16="http://schemas.microsoft.com/office/drawing/2014/main" id="{A4DCD666-047E-B1A8-AB46-2C12327C29D5}"/>
               </a:ext>
+              <a:ext uri="{C183D7F6-B498-43B3-948B-1728B52AA6E4}">
+                <adec:decorative xmlns:adec="http://schemas.microsoft.com/office/drawing/2017/decorative" val="1"/>
+              </a:ext>
             </a:extLst>
           </p:cNvPr>
           <p:cNvSpPr/>
@@ -30566,6 +30837,9 @@
               <a:ext uri="{FF2B5EF4-FFF2-40B4-BE49-F238E27FC236}">
                 <a16:creationId xmlns:a16="http://schemas.microsoft.com/office/drawing/2014/main" id="{A6FE88BB-4B27-9358-C984-2A2BE20433A9}"/>
               </a:ext>
+              <a:ext uri="{C183D7F6-B498-43B3-948B-1728B52AA6E4}">
+                <adec:decorative xmlns:adec="http://schemas.microsoft.com/office/drawing/2017/decorative" val="1"/>
+              </a:ext>
             </a:extLst>
           </p:cNvPr>
           <p:cNvSpPr/>
@@ -30637,6 +30911,9 @@
               <a:ext uri="{FF2B5EF4-FFF2-40B4-BE49-F238E27FC236}">
                 <a16:creationId xmlns:a16="http://schemas.microsoft.com/office/drawing/2014/main" id="{A67D82DE-FF78-B344-D59D-F69A674EF8B7}"/>
               </a:ext>
+              <a:ext uri="{C183D7F6-B498-43B3-948B-1728B52AA6E4}">
+                <adec:decorative xmlns:adec="http://schemas.microsoft.com/office/drawing/2017/decorative" val="1"/>
+              </a:ext>
             </a:extLst>
           </p:cNvPr>
           <p:cNvSpPr/>
@@ -30708,6 +30985,9 @@
               <a:ext uri="{FF2B5EF4-FFF2-40B4-BE49-F238E27FC236}">
                 <a16:creationId xmlns:a16="http://schemas.microsoft.com/office/drawing/2014/main" id="{23D8909F-5206-C350-EF45-77F5FDDA40DF}"/>
               </a:ext>
+              <a:ext uri="{C183D7F6-B498-43B3-948B-1728B52AA6E4}">
+                <adec:decorative xmlns:adec="http://schemas.microsoft.com/office/drawing/2017/decorative" val="1"/>
+              </a:ext>
             </a:extLst>
           </p:cNvPr>
           <p:cNvSpPr/>
@@ -30769,6 +31049,175 @@
               <a:ea typeface="Segoe UI" pitchFamily="34" charset="0"/>
               <a:cs typeface="Segoe UI" pitchFamily="34" charset="0"/>
             </a:endParaRPr>
+          </a:p>
+        </p:txBody>
+      </p:sp>
+      <p:sp>
+        <p:nvSpPr>
+          <p:cNvPr id="11" name="Title 10">
+            <a:extLst>
+              <a:ext uri="{FF2B5EF4-FFF2-40B4-BE49-F238E27FC236}">
+                <a16:creationId xmlns:a16="http://schemas.microsoft.com/office/drawing/2014/main" id="{E683940D-48BF-E994-9FBE-6E740F2B0256}"/>
+              </a:ext>
+            </a:extLst>
+          </p:cNvPr>
+          <p:cNvSpPr txBox="1">
+            <a:spLocks noGrp="1"/>
+          </p:cNvSpPr>
+          <p:nvPr>
+            <p:ph type="title" idx="4294967295"/>
+          </p:nvPr>
+        </p:nvSpPr>
+        <p:spPr>
+          <a:xfrm>
+            <a:off x="224852" y="7150308"/>
+            <a:ext cx="9144000" cy="369332"/>
+          </a:xfrm>
+          <a:prstGeom prst="rect">
+            <a:avLst/>
+          </a:prstGeom>
+          <a:noFill/>
+          <a:ln>
+            <a:noFill/>
+            <a:prstDash/>
+          </a:ln>
+          <a:effectLst/>
+        </p:spPr>
+        <p:txBody>
+          <a:bodyPr rot="0" spcFirstLastPara="0" vertOverflow="overflow" horzOverflow="overflow" vert="horz" wrap="square" lIns="0" tIns="0" rIns="0" bIns="0" numCol="1" spcCol="0" rtlCol="0" fromWordArt="0" anchor="t" anchorCtr="0" forceAA="0" compatLnSpc="1">
+            <a:prstTxWarp prst="textNoShape">
+              <a:avLst/>
+            </a:prstTxWarp>
+            <a:spAutoFit/>
+          </a:bodyPr>
+          <a:lstStyle/>
+          <a:p>
+            <a:pPr marL="0" marR="0" lvl="0" indent="0" algn="l" defTabSz="914400" rtl="0" eaLnBrk="1" fontAlgn="auto" latinLnBrk="0" hangingPunct="1">
+              <a:lnSpc>
+                <a:spcPct val="100000"/>
+              </a:lnSpc>
+              <a:spcBef>
+                <a:spcPts val="0"/>
+              </a:spcBef>
+              <a:spcAft>
+                <a:spcPts val="0"/>
+              </a:spcAft>
+              <a:buClrTx/>
+              <a:buSzTx/>
+              <a:buFontTx/>
+              <a:buNone/>
+              <a:tabLst/>
+              <a:defRPr/>
+            </a:pPr>
+            <a:r>
+              <a:rPr kumimoji="0" lang="en-US" sz="2400" b="0" i="0" u="none" strike="noStrike" kern="1200" cap="none" spc="0" normalizeH="0" baseline="0" noProof="0" dirty="0">
+                <a:ln>
+                  <a:noFill/>
+                </a:ln>
+                <a:solidFill>
+                  <a:schemeClr val="tx1"/>
+                </a:solidFill>
+                <a:effectLst/>
+                <a:uLnTx/>
+                <a:uFillTx/>
+                <a:latin typeface="+mn-lt"/>
+                <a:ea typeface="+mn-ea"/>
+                <a:cs typeface="+mn-cs"/>
+              </a:rPr>
+              <a:t>RAG workflow</a:t>
+            </a:r>
+            <a:endParaRPr kumimoji="0" lang="en-FR" sz="1200" b="0" i="0" u="none" strike="noStrike" kern="1200" cap="none" spc="0" normalizeH="0" baseline="0" noProof="0" dirty="0" err="1">
+              <a:ln>
+                <a:noFill/>
+              </a:ln>
+              <a:solidFill>
+                <a:schemeClr val="tx1"/>
+              </a:solidFill>
+              <a:effectLst/>
+              <a:uLnTx/>
+              <a:uFillTx/>
+              <a:latin typeface="+mn-lt"/>
+              <a:ea typeface="+mn-ea"/>
+              <a:cs typeface="+mn-cs"/>
+            </a:endParaRPr>
+          </a:p>
+        </p:txBody>
+      </p:sp>
+      <p:sp>
+        <p:nvSpPr>
+          <p:cNvPr id="17" name="Title 16">
+            <a:extLst>
+              <a:ext uri="{FF2B5EF4-FFF2-40B4-BE49-F238E27FC236}">
+                <a16:creationId xmlns:a16="http://schemas.microsoft.com/office/drawing/2014/main" id="{5C215B79-702F-F216-17F9-6C45E1F09CF2}"/>
+              </a:ext>
+              <a:ext uri="{C183D7F6-B498-43B3-948B-1728B52AA6E4}">
+                <adec:decorative xmlns:adec="http://schemas.microsoft.com/office/drawing/2017/decorative" val="1"/>
+              </a:ext>
+            </a:extLst>
+          </p:cNvPr>
+          <p:cNvSpPr>
+            <a:spLocks/>
+          </p:cNvSpPr>
+          <p:nvPr/>
+        </p:nvSpPr>
+        <p:spPr>
+          <a:xfrm>
+            <a:off x="588263" y="457200"/>
+            <a:ext cx="11018520" cy="553998"/>
+          </a:xfrm>
+          <a:prstGeom prst="rect">
+            <a:avLst/>
+          </a:prstGeom>
+          <a:noFill/>
+          <a:ln>
+            <a:noFill/>
+            <a:prstDash/>
+          </a:ln>
+          <a:effectLst/>
+        </p:spPr>
+        <p:txBody>
+          <a:bodyPr rot="0" spcFirstLastPara="0" vertOverflow="overflow" horzOverflow="overflow" vert="horz" wrap="square" lIns="0" tIns="0" rIns="0" bIns="0" numCol="1" spcCol="0" rtlCol="0" fromWordArt="0" anchor="t" anchorCtr="0" forceAA="0" compatLnSpc="1">
+            <a:prstTxWarp prst="textNoShape">
+              <a:avLst/>
+            </a:prstTxWarp>
+            <a:spAutoFit/>
+          </a:bodyPr>
+          <a:lstStyle/>
+          <a:p>
+            <a:pPr marL="0" marR="0" lvl="0" indent="0" algn="l" defTabSz="932742" rtl="0" eaLnBrk="1" fontAlgn="auto" latinLnBrk="0" hangingPunct="1">
+              <a:lnSpc>
+                <a:spcPct val="100000"/>
+              </a:lnSpc>
+              <a:spcBef>
+                <a:spcPct val="0"/>
+              </a:spcBef>
+              <a:spcAft>
+                <a:spcPts val="0"/>
+              </a:spcAft>
+              <a:buClrTx/>
+              <a:buSzTx/>
+              <a:buFontTx/>
+              <a:buNone/>
+              <a:tabLst/>
+              <a:defRPr/>
+            </a:pPr>
+            <a:r>
+              <a:rPr kumimoji="0" lang="en-US" sz="3600" b="0" i="0" u="none" strike="noStrike" kern="1200" cap="none" spc="-50" normalizeH="0" baseline="0" noProof="0" dirty="0">
+                <a:ln w="3175">
+                  <a:noFill/>
+                </a:ln>
+                <a:solidFill>
+                  <a:schemeClr val="tx2"/>
+                </a:solidFill>
+                <a:effectLst/>
+                <a:uLnTx/>
+                <a:uFillTx/>
+                <a:latin typeface="+mj-lt"/>
+                <a:ea typeface="+mn-ea"/>
+                <a:cs typeface="Segoe UI" pitchFamily="34" charset="0"/>
+              </a:rPr>
+              <a:t>Retrieval-Augmented Generation (RAG)</a:t>
+            </a:r>
           </a:p>
         </p:txBody>
       </p:sp>
@@ -31121,37 +31570,9 @@
           <a:chExt cx="0" cy="0"/>
         </a:xfrm>
       </p:grpSpPr>
-      <p:sp>
-        <p:nvSpPr>
-          <p:cNvPr id="17" name="Title 16">
-            <a:extLst>
-              <a:ext uri="{FF2B5EF4-FFF2-40B4-BE49-F238E27FC236}">
-                <a16:creationId xmlns:a16="http://schemas.microsoft.com/office/drawing/2014/main" id="{8297C408-A2B4-C742-E099-987CFED3D2E7}"/>
-              </a:ext>
-            </a:extLst>
-          </p:cNvPr>
-          <p:cNvSpPr>
-            <a:spLocks noGrp="1"/>
-          </p:cNvSpPr>
-          <p:nvPr>
-            <p:ph type="title"/>
-          </p:nvPr>
-        </p:nvSpPr>
-        <p:spPr/>
-        <p:txBody>
-          <a:bodyPr/>
-          <a:lstStyle/>
-          <a:p>
-            <a:r>
-              <a:rPr lang="en-US" dirty="0"/>
-              <a:t>Building the knowledgebase</a:t>
-            </a:r>
-          </a:p>
-        </p:txBody>
-      </p:sp>
       <p:pic>
         <p:nvPicPr>
-          <p:cNvPr id="1026" name="Picture 2">
+          <p:cNvPr id="1026" name="Picture 2" descr="A diagram showing how to transform text into a vector, by passing it through an embedding model">
             <a:extLst>
               <a:ext uri="{FF2B5EF4-FFF2-40B4-BE49-F238E27FC236}">
                 <a16:creationId xmlns:a16="http://schemas.microsoft.com/office/drawing/2014/main" id="{5F121FB6-5104-E866-726C-8A52F2FE85D8}"/>
@@ -31247,6 +31668,9 @@
             <a:extLst>
               <a:ext uri="{FF2B5EF4-FFF2-40B4-BE49-F238E27FC236}">
                 <a16:creationId xmlns:a16="http://schemas.microsoft.com/office/drawing/2014/main" id="{B602A566-BA0B-DABD-E665-DC7BFAC88A28}"/>
+              </a:ext>
+              <a:ext uri="{C183D7F6-B498-43B3-948B-1728B52AA6E4}">
+                <adec:decorative xmlns:adec="http://schemas.microsoft.com/office/drawing/2017/decorative" val="1"/>
               </a:ext>
             </a:extLst>
           </p:cNvPr>
@@ -31502,6 +31926,9 @@
               <a:ext uri="{FF2B5EF4-FFF2-40B4-BE49-F238E27FC236}">
                 <a16:creationId xmlns:a16="http://schemas.microsoft.com/office/drawing/2014/main" id="{13865242-2E95-8DC5-571E-F66B6C8BD094}"/>
               </a:ext>
+              <a:ext uri="{C183D7F6-B498-43B3-948B-1728B52AA6E4}">
+                <adec:decorative xmlns:adec="http://schemas.microsoft.com/office/drawing/2017/decorative" val="1"/>
+              </a:ext>
             </a:extLst>
           </p:cNvPr>
           <p:cNvGrpSpPr/>
@@ -31664,6 +32091,9 @@
               <a:ext uri="{FF2B5EF4-FFF2-40B4-BE49-F238E27FC236}">
                 <a16:creationId xmlns:a16="http://schemas.microsoft.com/office/drawing/2014/main" id="{F2C549EB-BA58-5EB8-0A4F-ADABD06E43AE}"/>
               </a:ext>
+              <a:ext uri="{C183D7F6-B498-43B3-948B-1728B52AA6E4}">
+                <adec:decorative xmlns:adec="http://schemas.microsoft.com/office/drawing/2017/decorative" val="1"/>
+              </a:ext>
             </a:extLst>
           </p:cNvPr>
           <p:cNvGrpSpPr/>
@@ -31826,6 +32256,9 @@
               <a:ext uri="{FF2B5EF4-FFF2-40B4-BE49-F238E27FC236}">
                 <a16:creationId xmlns:a16="http://schemas.microsoft.com/office/drawing/2014/main" id="{33A08A17-9CBB-D632-83C8-0481FA5216D5}"/>
               </a:ext>
+              <a:ext uri="{C183D7F6-B498-43B3-948B-1728B52AA6E4}">
+                <adec:decorative xmlns:adec="http://schemas.microsoft.com/office/drawing/2017/decorative" val="1"/>
+              </a:ext>
             </a:extLst>
           </p:cNvPr>
           <p:cNvSpPr/>
@@ -31896,6 +32329,9 @@
             <a:extLst>
               <a:ext uri="{FF2B5EF4-FFF2-40B4-BE49-F238E27FC236}">
                 <a16:creationId xmlns:a16="http://schemas.microsoft.com/office/drawing/2014/main" id="{B9B2234B-C429-7776-ED8C-D38A76FE4F29}"/>
+              </a:ext>
+              <a:ext uri="{C183D7F6-B498-43B3-948B-1728B52AA6E4}">
+                <adec:decorative xmlns:adec="http://schemas.microsoft.com/office/drawing/2017/decorative" val="1"/>
               </a:ext>
             </a:extLst>
           </p:cNvPr>
@@ -32052,6 +32488,175 @@
           </p:txBody>
         </p:sp>
       </p:grpSp>
+      <p:sp>
+        <p:nvSpPr>
+          <p:cNvPr id="17" name="Title 16">
+            <a:extLst>
+              <a:ext uri="{FF2B5EF4-FFF2-40B4-BE49-F238E27FC236}">
+                <a16:creationId xmlns:a16="http://schemas.microsoft.com/office/drawing/2014/main" id="{8297C408-A2B4-C742-E099-987CFED3D2E7}"/>
+              </a:ext>
+              <a:ext uri="{C183D7F6-B498-43B3-948B-1728B52AA6E4}">
+                <adec:decorative xmlns:adec="http://schemas.microsoft.com/office/drawing/2017/decorative" val="1"/>
+              </a:ext>
+            </a:extLst>
+          </p:cNvPr>
+          <p:cNvSpPr>
+            <a:spLocks/>
+          </p:cNvSpPr>
+          <p:nvPr/>
+        </p:nvSpPr>
+        <p:spPr>
+          <a:xfrm>
+            <a:off x="588263" y="457200"/>
+            <a:ext cx="11018520" cy="553998"/>
+          </a:xfrm>
+          <a:prstGeom prst="rect">
+            <a:avLst/>
+          </a:prstGeom>
+          <a:noFill/>
+          <a:ln>
+            <a:noFill/>
+            <a:prstDash/>
+          </a:ln>
+          <a:effectLst/>
+        </p:spPr>
+        <p:txBody>
+          <a:bodyPr rot="0" spcFirstLastPara="0" vertOverflow="overflow" horzOverflow="overflow" vert="horz" wrap="square" lIns="0" tIns="0" rIns="0" bIns="0" numCol="1" spcCol="0" rtlCol="0" fromWordArt="0" anchor="t" anchorCtr="0" forceAA="0" compatLnSpc="1">
+            <a:prstTxWarp prst="textNoShape">
+              <a:avLst/>
+            </a:prstTxWarp>
+            <a:spAutoFit/>
+          </a:bodyPr>
+          <a:lstStyle/>
+          <a:p>
+            <a:pPr marL="0" marR="0" lvl="0" indent="0" algn="l" defTabSz="932742" rtl="0" eaLnBrk="1" fontAlgn="auto" latinLnBrk="0" hangingPunct="1">
+              <a:lnSpc>
+                <a:spcPct val="100000"/>
+              </a:lnSpc>
+              <a:spcBef>
+                <a:spcPct val="0"/>
+              </a:spcBef>
+              <a:spcAft>
+                <a:spcPts val="0"/>
+              </a:spcAft>
+              <a:buClrTx/>
+              <a:buSzTx/>
+              <a:buFontTx/>
+              <a:buNone/>
+              <a:tabLst/>
+              <a:defRPr/>
+            </a:pPr>
+            <a:r>
+              <a:rPr kumimoji="0" lang="en-US" sz="3600" b="0" i="0" u="none" strike="noStrike" kern="1200" cap="none" spc="-50" normalizeH="0" baseline="0" noProof="0" dirty="0">
+                <a:ln w="3175">
+                  <a:noFill/>
+                </a:ln>
+                <a:solidFill>
+                  <a:schemeClr val="tx2"/>
+                </a:solidFill>
+                <a:effectLst/>
+                <a:uLnTx/>
+                <a:uFillTx/>
+                <a:latin typeface="+mj-lt"/>
+                <a:ea typeface="+mn-ea"/>
+                <a:cs typeface="Segoe UI" pitchFamily="34" charset="0"/>
+              </a:rPr>
+              <a:t>Building the knowledgebase</a:t>
+            </a:r>
+          </a:p>
+        </p:txBody>
+      </p:sp>
+      <p:sp>
+        <p:nvSpPr>
+          <p:cNvPr id="13" name="Title 12">
+            <a:extLst>
+              <a:ext uri="{FF2B5EF4-FFF2-40B4-BE49-F238E27FC236}">
+                <a16:creationId xmlns:a16="http://schemas.microsoft.com/office/drawing/2014/main" id="{ADE89938-5AF2-2E39-8DA9-D616FA90481F}"/>
+              </a:ext>
+            </a:extLst>
+          </p:cNvPr>
+          <p:cNvSpPr txBox="1">
+            <a:spLocks noGrp="1"/>
+          </p:cNvSpPr>
+          <p:nvPr>
+            <p:ph type="title" idx="4294967295"/>
+          </p:nvPr>
+        </p:nvSpPr>
+        <p:spPr>
+          <a:xfrm>
+            <a:off x="84549" y="7058183"/>
+            <a:ext cx="6813028" cy="369332"/>
+          </a:xfrm>
+          <a:prstGeom prst="rect">
+            <a:avLst/>
+          </a:prstGeom>
+          <a:noFill/>
+          <a:ln>
+            <a:noFill/>
+            <a:prstDash/>
+          </a:ln>
+          <a:effectLst/>
+        </p:spPr>
+        <p:txBody>
+          <a:bodyPr rot="0" spcFirstLastPara="0" vertOverflow="overflow" horzOverflow="overflow" vert="horz" wrap="square" lIns="91440" tIns="45720" rIns="91440" bIns="45720" numCol="1" spcCol="0" rtlCol="0" fromWordArt="0" anchor="t" anchorCtr="0" forceAA="0" compatLnSpc="1">
+            <a:prstTxWarp prst="textNoShape">
+              <a:avLst/>
+            </a:prstTxWarp>
+            <a:spAutoFit/>
+          </a:bodyPr>
+          <a:lstStyle/>
+          <a:p>
+            <a:pPr marL="0" marR="0" lvl="0" indent="0" algn="l" defTabSz="914400" rtl="0" eaLnBrk="1" fontAlgn="auto" latinLnBrk="0" hangingPunct="1">
+              <a:lnSpc>
+                <a:spcPct val="100000"/>
+              </a:lnSpc>
+              <a:spcBef>
+                <a:spcPts val="0"/>
+              </a:spcBef>
+              <a:spcAft>
+                <a:spcPts val="0"/>
+              </a:spcAft>
+              <a:buClrTx/>
+              <a:buSzTx/>
+              <a:buFontTx/>
+              <a:buNone/>
+              <a:tabLst/>
+              <a:defRPr/>
+            </a:pPr>
+            <a:r>
+              <a:rPr kumimoji="0" lang="en-US" sz="1800" b="0" i="0" u="none" strike="noStrike" kern="1200" cap="none" spc="0" normalizeH="0" baseline="0" noProof="0" dirty="0">
+                <a:ln>
+                  <a:noFill/>
+                </a:ln>
+                <a:solidFill>
+                  <a:schemeClr val="tx1"/>
+                </a:solidFill>
+                <a:effectLst/>
+                <a:uLnTx/>
+                <a:uFillTx/>
+                <a:latin typeface="+mn-lt"/>
+                <a:ea typeface="+mn-ea"/>
+                <a:cs typeface="+mn-cs"/>
+              </a:rPr>
+              <a:t>Building the knowledgebase (1/2)</a:t>
+            </a:r>
+            <a:endParaRPr kumimoji="0" lang="en-FR" sz="1800" b="0" i="0" u="none" strike="noStrike" kern="1200" cap="none" spc="0" normalizeH="0" baseline="0" noProof="0" dirty="0">
+              <a:ln>
+                <a:noFill/>
+              </a:ln>
+              <a:solidFill>
+                <a:schemeClr val="tx1"/>
+              </a:solidFill>
+              <a:effectLst/>
+              <a:uLnTx/>
+              <a:uFillTx/>
+              <a:latin typeface="+mn-lt"/>
+              <a:ea typeface="+mn-ea"/>
+              <a:cs typeface="+mn-cs"/>
+            </a:endParaRPr>
+          </a:p>
+        </p:txBody>
+      </p:sp>
     </p:spTree>
     <p:extLst>
       <p:ext uri="{BB962C8B-B14F-4D97-AF65-F5344CB8AC3E}">
@@ -32292,37 +32897,9 @@
           <a:chExt cx="0" cy="0"/>
         </a:xfrm>
       </p:grpSpPr>
-      <p:sp>
-        <p:nvSpPr>
-          <p:cNvPr id="17" name="Title 16">
-            <a:extLst>
-              <a:ext uri="{FF2B5EF4-FFF2-40B4-BE49-F238E27FC236}">
-                <a16:creationId xmlns:a16="http://schemas.microsoft.com/office/drawing/2014/main" id="{7BC218C6-7E38-B616-7C56-D90112B37B01}"/>
-              </a:ext>
-            </a:extLst>
-          </p:cNvPr>
-          <p:cNvSpPr>
-            <a:spLocks noGrp="1"/>
-          </p:cNvSpPr>
-          <p:nvPr>
-            <p:ph type="title"/>
-          </p:nvPr>
-        </p:nvSpPr>
-        <p:spPr/>
-        <p:txBody>
-          <a:bodyPr/>
-          <a:lstStyle/>
-          <a:p>
-            <a:r>
-              <a:rPr lang="en-US" dirty="0"/>
-              <a:t>Building the knowledgebase</a:t>
-            </a:r>
-          </a:p>
-        </p:txBody>
-      </p:sp>
       <p:pic>
         <p:nvPicPr>
-          <p:cNvPr id="1026" name="Picture 2">
+          <p:cNvPr id="1026" name="Picture 2" descr="A diagram showing how the text and generated vector is combined into a document and then store in a vector database">
             <a:extLst>
               <a:ext uri="{FF2B5EF4-FFF2-40B4-BE49-F238E27FC236}">
                 <a16:creationId xmlns:a16="http://schemas.microsoft.com/office/drawing/2014/main" id="{E2A5A103-99DA-EBFF-C761-E822F1D8272B}"/>
@@ -32366,6 +32943,9 @@
             <a:extLst>
               <a:ext uri="{FF2B5EF4-FFF2-40B4-BE49-F238E27FC236}">
                 <a16:creationId xmlns:a16="http://schemas.microsoft.com/office/drawing/2014/main" id="{0B9B9D15-B1C3-5E11-9716-DB6D38C2D2D3}"/>
+              </a:ext>
+              <a:ext uri="{C183D7F6-B498-43B3-948B-1728B52AA6E4}">
+                <adec:decorative xmlns:adec="http://schemas.microsoft.com/office/drawing/2017/decorative" val="1"/>
               </a:ext>
             </a:extLst>
           </p:cNvPr>
@@ -32529,6 +33109,9 @@
               <a:ext uri="{FF2B5EF4-FFF2-40B4-BE49-F238E27FC236}">
                 <a16:creationId xmlns:a16="http://schemas.microsoft.com/office/drawing/2014/main" id="{CA409F54-9B8A-A640-7973-171E04AE7C41}"/>
               </a:ext>
+              <a:ext uri="{C183D7F6-B498-43B3-948B-1728B52AA6E4}">
+                <adec:decorative xmlns:adec="http://schemas.microsoft.com/office/drawing/2017/decorative" val="1"/>
+              </a:ext>
             </a:extLst>
           </p:cNvPr>
           <p:cNvGrpSpPr/>
@@ -32684,6 +33267,211 @@
           </p:txBody>
         </p:sp>
       </p:grpSp>
+      <p:sp>
+        <p:nvSpPr>
+          <p:cNvPr id="17" name="Title 16">
+            <a:extLst>
+              <a:ext uri="{FF2B5EF4-FFF2-40B4-BE49-F238E27FC236}">
+                <a16:creationId xmlns:a16="http://schemas.microsoft.com/office/drawing/2014/main" id="{7BC218C6-7E38-B616-7C56-D90112B37B01}"/>
+              </a:ext>
+              <a:ext uri="{C183D7F6-B498-43B3-948B-1728B52AA6E4}">
+                <adec:decorative xmlns:adec="http://schemas.microsoft.com/office/drawing/2017/decorative" val="1"/>
+              </a:ext>
+            </a:extLst>
+          </p:cNvPr>
+          <p:cNvSpPr>
+            <a:spLocks/>
+          </p:cNvSpPr>
+          <p:nvPr/>
+        </p:nvSpPr>
+        <p:spPr>
+          <a:xfrm>
+            <a:off x="588263" y="457200"/>
+            <a:ext cx="11018520" cy="553998"/>
+          </a:xfrm>
+          <a:prstGeom prst="rect">
+            <a:avLst/>
+          </a:prstGeom>
+          <a:noFill/>
+          <a:ln>
+            <a:noFill/>
+            <a:prstDash/>
+          </a:ln>
+          <a:effectLst/>
+        </p:spPr>
+        <p:txBody>
+          <a:bodyPr rot="0" spcFirstLastPara="0" vertOverflow="overflow" horzOverflow="overflow" vert="horz" wrap="square" lIns="0" tIns="0" rIns="0" bIns="0" numCol="1" spcCol="0" rtlCol="0" fromWordArt="0" anchor="t" anchorCtr="0" forceAA="0" compatLnSpc="1">
+            <a:prstTxWarp prst="textNoShape">
+              <a:avLst/>
+            </a:prstTxWarp>
+            <a:spAutoFit/>
+          </a:bodyPr>
+          <a:lstStyle/>
+          <a:p>
+            <a:pPr marL="0" marR="0" lvl="0" indent="0" algn="l" defTabSz="932742" rtl="0" eaLnBrk="1" fontAlgn="auto" latinLnBrk="0" hangingPunct="1">
+              <a:lnSpc>
+                <a:spcPct val="100000"/>
+              </a:lnSpc>
+              <a:spcBef>
+                <a:spcPct val="0"/>
+              </a:spcBef>
+              <a:spcAft>
+                <a:spcPts val="0"/>
+              </a:spcAft>
+              <a:buClrTx/>
+              <a:buSzTx/>
+              <a:buFontTx/>
+              <a:buNone/>
+              <a:tabLst/>
+              <a:defRPr/>
+            </a:pPr>
+            <a:r>
+              <a:rPr kumimoji="0" lang="en-US" sz="3600" b="0" i="0" u="none" strike="noStrike" kern="1200" cap="none" spc="-50" normalizeH="0" baseline="0" noProof="0">
+                <a:ln w="3175">
+                  <a:noFill/>
+                </a:ln>
+                <a:solidFill>
+                  <a:schemeClr val="tx2"/>
+                </a:solidFill>
+                <a:effectLst/>
+                <a:uLnTx/>
+                <a:uFillTx/>
+                <a:latin typeface="+mj-lt"/>
+                <a:ea typeface="+mn-ea"/>
+                <a:cs typeface="Segoe UI" pitchFamily="34" charset="0"/>
+              </a:rPr>
+              <a:t>Building the knowledgebase</a:t>
+            </a:r>
+            <a:endParaRPr kumimoji="0" lang="en-US" sz="3600" b="0" i="0" u="none" strike="noStrike" kern="1200" cap="none" spc="-50" normalizeH="0" baseline="0" noProof="0" dirty="0">
+              <a:ln w="3175">
+                <a:noFill/>
+              </a:ln>
+              <a:solidFill>
+                <a:schemeClr val="tx2"/>
+              </a:solidFill>
+              <a:effectLst/>
+              <a:uLnTx/>
+              <a:uFillTx/>
+              <a:latin typeface="+mj-lt"/>
+              <a:ea typeface="+mn-ea"/>
+              <a:cs typeface="Segoe UI" pitchFamily="34" charset="0"/>
+            </a:endParaRPr>
+          </a:p>
+        </p:txBody>
+      </p:sp>
+      <p:sp>
+        <p:nvSpPr>
+          <p:cNvPr id="2" name="Title 10">
+            <a:extLst>
+              <a:ext uri="{FF2B5EF4-FFF2-40B4-BE49-F238E27FC236}">
+                <a16:creationId xmlns:a16="http://schemas.microsoft.com/office/drawing/2014/main" id="{47D6C0A6-5589-3A37-1096-1190A614F127}"/>
+              </a:ext>
+            </a:extLst>
+          </p:cNvPr>
+          <p:cNvSpPr txBox="1">
+            <a:spLocks noGrp="1"/>
+          </p:cNvSpPr>
+          <p:nvPr>
+            <p:ph type="title" idx="4294967295"/>
+          </p:nvPr>
+        </p:nvSpPr>
+        <p:spPr>
+          <a:xfrm>
+            <a:off x="224852" y="7150308"/>
+            <a:ext cx="9144000" cy="307777"/>
+          </a:xfrm>
+          <a:prstGeom prst="rect">
+            <a:avLst/>
+          </a:prstGeom>
+          <a:noFill/>
+          <a:ln>
+            <a:noFill/>
+            <a:prstDash/>
+          </a:ln>
+          <a:effectLst/>
+        </p:spPr>
+        <p:txBody>
+          <a:bodyPr rot="0" spcFirstLastPara="0" vertOverflow="overflow" horzOverflow="overflow" vert="horz" wrap="square" lIns="0" tIns="0" rIns="0" bIns="0" numCol="1" spcCol="0" rtlCol="0" fromWordArt="0" anchor="t" anchorCtr="0" forceAA="0" compatLnSpc="1">
+            <a:prstTxWarp prst="textNoShape">
+              <a:avLst/>
+            </a:prstTxWarp>
+            <a:spAutoFit/>
+          </a:bodyPr>
+          <a:lstStyle>
+            <a:lvl1pPr algn="l" defTabSz="932742" rtl="0" eaLnBrk="1" latinLnBrk="0" hangingPunct="1">
+              <a:lnSpc>
+                <a:spcPct val="100000"/>
+              </a:lnSpc>
+              <a:spcBef>
+                <a:spcPct val="0"/>
+              </a:spcBef>
+              <a:buNone/>
+              <a:defRPr lang="en-US" sz="3600" b="0" kern="1200" cap="none" spc="-50" baseline="0" dirty="0" smtClean="0">
+                <a:ln w="3175">
+                  <a:noFill/>
+                </a:ln>
+                <a:solidFill>
+                  <a:schemeClr val="tx2"/>
+                </a:solidFill>
+                <a:effectLst/>
+                <a:latin typeface="+mj-lt"/>
+                <a:ea typeface="+mn-ea"/>
+                <a:cs typeface="Segoe UI" pitchFamily="34" charset="0"/>
+              </a:defRPr>
+            </a:lvl1pPr>
+          </a:lstStyle>
+          <a:p>
+            <a:pPr marL="0" marR="0" lvl="0" indent="0" algn="l" defTabSz="914400" rtl="0" eaLnBrk="1" fontAlgn="auto" latinLnBrk="0" hangingPunct="1">
+              <a:lnSpc>
+                <a:spcPct val="100000"/>
+              </a:lnSpc>
+              <a:spcBef>
+                <a:spcPts val="0"/>
+              </a:spcBef>
+              <a:spcAft>
+                <a:spcPts val="0"/>
+              </a:spcAft>
+              <a:buClrTx/>
+              <a:buSzTx/>
+              <a:buFontTx/>
+              <a:buNone/>
+              <a:tabLst/>
+              <a:defRPr/>
+            </a:pPr>
+            <a:r>
+              <a:rPr kumimoji="0" lang="en-US" sz="2000" b="0" i="0" u="none" strike="noStrike" kern="1200" cap="none" spc="-50" normalizeH="0" baseline="0" noProof="0" dirty="0">
+                <a:ln w="3175">
+                  <a:noFill/>
+                </a:ln>
+                <a:solidFill>
+                  <a:schemeClr val="tx1"/>
+                </a:solidFill>
+                <a:effectLst/>
+                <a:uLnTx/>
+                <a:uFillTx/>
+                <a:latin typeface="+mn-lt"/>
+                <a:ea typeface="+mn-ea"/>
+                <a:cs typeface="Segoe UI" pitchFamily="34" charset="0"/>
+              </a:rPr>
+              <a:t>Building the knowledgebase (2/2)</a:t>
+            </a:r>
+            <a:endParaRPr kumimoji="0" lang="en-GB" sz="1100" b="0" i="0" u="none" strike="noStrike" kern="1200" cap="none" spc="0" normalizeH="0" baseline="0" noProof="0" dirty="0">
+              <a:ln>
+                <a:noFill/>
+              </a:ln>
+              <a:solidFill>
+                <a:schemeClr val="tx1"/>
+              </a:solidFill>
+              <a:effectLst/>
+              <a:uLnTx/>
+              <a:uFillTx/>
+              <a:latin typeface="+mn-lt"/>
+              <a:ea typeface="+mn-ea"/>
+              <a:cs typeface="+mn-cs"/>
+            </a:endParaRPr>
+          </a:p>
+        </p:txBody>
+      </p:sp>
     </p:spTree>
     <p:extLst>
       <p:ext uri="{BB962C8B-B14F-4D97-AF65-F5344CB8AC3E}">
@@ -32871,47 +33659,15 @@
           <a:chExt cx="0" cy="0"/>
         </a:xfrm>
       </p:grpSpPr>
-      <p:sp>
-        <p:nvSpPr>
-          <p:cNvPr id="17" name="Title 16">
-            <a:extLst>
-              <a:ext uri="{FF2B5EF4-FFF2-40B4-BE49-F238E27FC236}">
-                <a16:creationId xmlns:a16="http://schemas.microsoft.com/office/drawing/2014/main" id="{ECF9B030-65C9-D71E-71B0-A11634297C4B}"/>
-              </a:ext>
-            </a:extLst>
-          </p:cNvPr>
-          <p:cNvSpPr>
-            <a:spLocks noGrp="1"/>
-          </p:cNvSpPr>
-          <p:nvPr>
-            <p:ph type="title"/>
-          </p:nvPr>
-        </p:nvSpPr>
-        <p:spPr>
-          <a:xfrm>
-            <a:off x="588263" y="457200"/>
-            <a:ext cx="11018520" cy="553998"/>
-          </a:xfrm>
-        </p:spPr>
-        <p:txBody>
-          <a:bodyPr wrap="square" anchor="t">
-            <a:normAutofit/>
-          </a:bodyPr>
-          <a:lstStyle/>
-          <a:p>
-            <a:r>
-              <a:rPr lang="en-US" dirty="0"/>
-              <a:t>Retrieval and context augmentation</a:t>
-            </a:r>
-          </a:p>
-        </p:txBody>
-      </p:sp>
       <p:pic>
         <p:nvPicPr>
           <p:cNvPr id="2" name="Picture 2">
             <a:extLst>
               <a:ext uri="{FF2B5EF4-FFF2-40B4-BE49-F238E27FC236}">
                 <a16:creationId xmlns:a16="http://schemas.microsoft.com/office/drawing/2014/main" id="{9989F78D-D5CC-11B2-21AD-47A104D42061}"/>
+              </a:ext>
+              <a:ext uri="{C183D7F6-B498-43B3-948B-1728B52AA6E4}">
+                <adec:decorative xmlns:adec="http://schemas.microsoft.com/office/drawing/2017/decorative" val="1"/>
               </a:ext>
             </a:extLst>
           </p:cNvPr>
@@ -32951,6 +33707,9 @@
             <a:extLst>
               <a:ext uri="{FF2B5EF4-FFF2-40B4-BE49-F238E27FC236}">
                 <a16:creationId xmlns:a16="http://schemas.microsoft.com/office/drawing/2014/main" id="{290F373D-1708-BFB3-E49D-D437E2DD1F0B}"/>
+              </a:ext>
+              <a:ext uri="{C183D7F6-B498-43B3-948B-1728B52AA6E4}">
+                <adec:decorative xmlns:adec="http://schemas.microsoft.com/office/drawing/2017/decorative" val="1"/>
               </a:ext>
             </a:extLst>
           </p:cNvPr>
@@ -33114,6 +33873,9 @@
               <a:ext uri="{FF2B5EF4-FFF2-40B4-BE49-F238E27FC236}">
                 <a16:creationId xmlns:a16="http://schemas.microsoft.com/office/drawing/2014/main" id="{E404D1D0-8F23-7E29-2D08-09A7B998126B}"/>
               </a:ext>
+              <a:ext uri="{C183D7F6-B498-43B3-948B-1728B52AA6E4}">
+                <adec:decorative xmlns:adec="http://schemas.microsoft.com/office/drawing/2017/decorative" val="1"/>
+              </a:ext>
             </a:extLst>
           </p:cNvPr>
           <p:cNvSpPr/>
@@ -33185,6 +33947,9 @@
               <a:ext uri="{FF2B5EF4-FFF2-40B4-BE49-F238E27FC236}">
                 <a16:creationId xmlns:a16="http://schemas.microsoft.com/office/drawing/2014/main" id="{F4A9965E-E260-90AB-12EA-D81B44B7C47A}"/>
               </a:ext>
+              <a:ext uri="{C183D7F6-B498-43B3-948B-1728B52AA6E4}">
+                <adec:decorative xmlns:adec="http://schemas.microsoft.com/office/drawing/2017/decorative" val="1"/>
+              </a:ext>
             </a:extLst>
           </p:cNvPr>
           <p:cNvSpPr/>
@@ -33255,6 +34020,9 @@
             <a:extLst>
               <a:ext uri="{FF2B5EF4-FFF2-40B4-BE49-F238E27FC236}">
                 <a16:creationId xmlns:a16="http://schemas.microsoft.com/office/drawing/2014/main" id="{F17BA3D4-79E7-AADB-D401-580A976DEF3C}"/>
+              </a:ext>
+              <a:ext uri="{C183D7F6-B498-43B3-948B-1728B52AA6E4}">
+                <adec:decorative xmlns:adec="http://schemas.microsoft.com/office/drawing/2017/decorative" val="1"/>
               </a:ext>
             </a:extLst>
           </p:cNvPr>
@@ -33417,6 +34185,9 @@
             <a:extLst>
               <a:ext uri="{FF2B5EF4-FFF2-40B4-BE49-F238E27FC236}">
                 <a16:creationId xmlns:a16="http://schemas.microsoft.com/office/drawing/2014/main" id="{40E76091-F924-F7AF-91F9-747FA319A7DC}"/>
+              </a:ext>
+              <a:ext uri="{C183D7F6-B498-43B3-948B-1728B52AA6E4}">
+                <adec:decorative xmlns:adec="http://schemas.microsoft.com/office/drawing/2017/decorative" val="1"/>
               </a:ext>
             </a:extLst>
           </p:cNvPr>
@@ -33671,6 +34442,9 @@
               <a:ext uri="{FF2B5EF4-FFF2-40B4-BE49-F238E27FC236}">
                 <a16:creationId xmlns:a16="http://schemas.microsoft.com/office/drawing/2014/main" id="{29342036-2FCD-D08D-BD50-9CEC63E4213C}"/>
               </a:ext>
+              <a:ext uri="{C183D7F6-B498-43B3-948B-1728B52AA6E4}">
+                <adec:decorative xmlns:adec="http://schemas.microsoft.com/office/drawing/2017/decorative" val="1"/>
+              </a:ext>
             </a:extLst>
           </p:cNvPr>
           <p:cNvSpPr/>
@@ -33741,6 +34515,9 @@
             <a:extLst>
               <a:ext uri="{FF2B5EF4-FFF2-40B4-BE49-F238E27FC236}">
                 <a16:creationId xmlns:a16="http://schemas.microsoft.com/office/drawing/2014/main" id="{B3B5FB1E-95EE-D098-C838-CE994CB82F14}"/>
+              </a:ext>
+              <a:ext uri="{C183D7F6-B498-43B3-948B-1728B52AA6E4}">
+                <adec:decorative xmlns:adec="http://schemas.microsoft.com/office/drawing/2017/decorative" val="1"/>
               </a:ext>
             </a:extLst>
           </p:cNvPr>
@@ -34044,6 +34821,183 @@
           </a:p>
           <a:p>
             <a:endParaRPr lang="en-US" dirty="0"/>
+          </a:p>
+        </p:txBody>
+      </p:sp>
+      <p:sp>
+        <p:nvSpPr>
+          <p:cNvPr id="17" name="Title 16">
+            <a:extLst>
+              <a:ext uri="{FF2B5EF4-FFF2-40B4-BE49-F238E27FC236}">
+                <a16:creationId xmlns:a16="http://schemas.microsoft.com/office/drawing/2014/main" id="{ECF9B030-65C9-D71E-71B0-A11634297C4B}"/>
+              </a:ext>
+              <a:ext uri="{C183D7F6-B498-43B3-948B-1728B52AA6E4}">
+                <adec:decorative xmlns:adec="http://schemas.microsoft.com/office/drawing/2017/decorative" val="1"/>
+              </a:ext>
+            </a:extLst>
+          </p:cNvPr>
+          <p:cNvSpPr>
+            <a:spLocks/>
+          </p:cNvSpPr>
+          <p:nvPr/>
+        </p:nvSpPr>
+        <p:spPr>
+          <a:xfrm>
+            <a:off x="588263" y="457200"/>
+            <a:ext cx="11018520" cy="553998"/>
+          </a:xfrm>
+          <a:prstGeom prst="rect">
+            <a:avLst/>
+          </a:prstGeom>
+          <a:noFill/>
+          <a:ln>
+            <a:noFill/>
+            <a:prstDash/>
+          </a:ln>
+          <a:effectLst/>
+        </p:spPr>
+        <p:txBody>
+          <a:bodyPr rot="0" spcFirstLastPara="0" vertOverflow="overflow" horzOverflow="overflow" vert="horz" wrap="square" lIns="0" tIns="0" rIns="0" bIns="0" numCol="1" spcCol="0" rtlCol="0" fromWordArt="0" anchor="t" anchorCtr="0" forceAA="0" compatLnSpc="1">
+            <a:prstTxWarp prst="textNoShape">
+              <a:avLst/>
+            </a:prstTxWarp>
+            <a:normAutofit/>
+          </a:bodyPr>
+          <a:lstStyle/>
+          <a:p>
+            <a:pPr marL="0" marR="0" lvl="0" indent="0" algn="l" defTabSz="932742" rtl="0" eaLnBrk="1" fontAlgn="auto" latinLnBrk="0" hangingPunct="1">
+              <a:lnSpc>
+                <a:spcPct val="100000"/>
+              </a:lnSpc>
+              <a:spcBef>
+                <a:spcPct val="0"/>
+              </a:spcBef>
+              <a:spcAft>
+                <a:spcPts val="0"/>
+              </a:spcAft>
+              <a:buClrTx/>
+              <a:buSzTx/>
+              <a:buFontTx/>
+              <a:buNone/>
+              <a:tabLst/>
+              <a:defRPr/>
+            </a:pPr>
+            <a:r>
+              <a:rPr kumimoji="0" lang="en-US" sz="3600" b="0" i="0" u="none" strike="noStrike" kern="1200" cap="none" spc="-50" normalizeH="0" baseline="0" noProof="0" dirty="0">
+                <a:ln w="3175">
+                  <a:noFill/>
+                </a:ln>
+                <a:solidFill>
+                  <a:schemeClr val="tx2"/>
+                </a:solidFill>
+                <a:effectLst/>
+                <a:uLnTx/>
+                <a:uFillTx/>
+                <a:latin typeface="+mj-lt"/>
+                <a:ea typeface="+mn-ea"/>
+                <a:cs typeface="Segoe UI" pitchFamily="34" charset="0"/>
+              </a:rPr>
+              <a:t>Retrieval and context augmentation</a:t>
+            </a:r>
+          </a:p>
+        </p:txBody>
+      </p:sp>
+      <p:sp>
+        <p:nvSpPr>
+          <p:cNvPr id="19" name="Title 16">
+            <a:extLst>
+              <a:ext uri="{FF2B5EF4-FFF2-40B4-BE49-F238E27FC236}">
+                <a16:creationId xmlns:a16="http://schemas.microsoft.com/office/drawing/2014/main" id="{5DF62EEF-B26C-B3FB-F891-3FB09D1E1681}"/>
+              </a:ext>
+            </a:extLst>
+          </p:cNvPr>
+          <p:cNvSpPr txBox="1">
+            <a:spLocks noGrp="1"/>
+          </p:cNvSpPr>
+          <p:nvPr>
+            <p:ph type="title" idx="4294967295"/>
+          </p:nvPr>
+        </p:nvSpPr>
+        <p:spPr>
+          <a:xfrm>
+            <a:off x="137160" y="7135819"/>
+            <a:ext cx="11018520" cy="553998"/>
+          </a:xfrm>
+          <a:prstGeom prst="rect">
+            <a:avLst/>
+          </a:prstGeom>
+          <a:noFill/>
+          <a:ln>
+            <a:noFill/>
+            <a:prstDash/>
+          </a:ln>
+          <a:effectLst/>
+        </p:spPr>
+        <p:txBody>
+          <a:bodyPr rot="0" spcFirstLastPara="0" vertOverflow="overflow" horzOverflow="overflow" vert="horz" wrap="square" lIns="0" tIns="0" rIns="0" bIns="0" numCol="1" spcCol="0" rtlCol="0" fromWordArt="0" anchor="t" anchorCtr="0" forceAA="0" compatLnSpc="1">
+            <a:prstTxWarp prst="textNoShape">
+              <a:avLst/>
+            </a:prstTxWarp>
+            <a:normAutofit/>
+          </a:bodyPr>
+          <a:lstStyle>
+            <a:lvl1pPr algn="l" defTabSz="932742" rtl="0" eaLnBrk="1" latinLnBrk="0" hangingPunct="1">
+              <a:lnSpc>
+                <a:spcPct val="100000"/>
+              </a:lnSpc>
+              <a:spcBef>
+                <a:spcPct val="0"/>
+              </a:spcBef>
+              <a:buNone/>
+              <a:defRPr lang="en-US" sz="3600" b="0" kern="1200" cap="none" spc="-50" baseline="0">
+                <a:ln w="3175">
+                  <a:noFill/>
+                </a:ln>
+                <a:solidFill>
+                  <a:schemeClr val="tx2"/>
+                </a:solidFill>
+                <a:effectLst/>
+                <a:latin typeface="+mj-lt"/>
+                <a:ea typeface="+mn-ea"/>
+                <a:cs typeface="Segoe UI" pitchFamily="34" charset="0"/>
+              </a:defRPr>
+            </a:lvl1pPr>
+          </a:lstStyle>
+          <a:p>
+            <a:pPr marL="0" marR="0" lvl="0" indent="0" algn="l" defTabSz="932742" rtl="0" eaLnBrk="1" fontAlgn="auto" latinLnBrk="0" hangingPunct="1">
+              <a:lnSpc>
+                <a:spcPct val="100000"/>
+              </a:lnSpc>
+              <a:spcBef>
+                <a:spcPct val="0"/>
+              </a:spcBef>
+              <a:spcAft>
+                <a:spcPts val="0"/>
+              </a:spcAft>
+              <a:buClrTx/>
+              <a:buSzTx/>
+              <a:buFontTx/>
+              <a:buNone/>
+              <a:tabLst/>
+              <a:defRPr/>
+            </a:pPr>
+            <a:r>
+              <a:rPr kumimoji="0" lang="en-GB" sz="2400" b="0" i="0" u="none" strike="noStrike" kern="1200" cap="none" spc="-50" normalizeH="0" baseline="0" noProof="0" dirty="0">
+                <a:ln w="3175">
+                  <a:noFill/>
+                </a:ln>
+                <a:solidFill>
+                  <a:schemeClr val="tx1"/>
+                </a:solidFill>
+                <a:effectLst/>
+                <a:uLnTx/>
+                <a:uFillTx/>
+                <a:latin typeface="+mn-lt"/>
+                <a:ea typeface="+mn-ea"/>
+                <a:cs typeface="Segoe UI" pitchFamily="34" charset="0"/>
+              </a:rPr>
+              <a:t>Retrieval and context augmentation (1/4)</a:t>
+            </a:r>
           </a:p>
         </p:txBody>
       </p:sp>
@@ -34374,44 +35328,9 @@
           <a:chExt cx="0" cy="0"/>
         </a:xfrm>
       </p:grpSpPr>
-      <p:sp>
-        <p:nvSpPr>
-          <p:cNvPr id="17" name="Title 16">
-            <a:extLst>
-              <a:ext uri="{FF2B5EF4-FFF2-40B4-BE49-F238E27FC236}">
-                <a16:creationId xmlns:a16="http://schemas.microsoft.com/office/drawing/2014/main" id="{DE1FBDD0-4A3A-CDAA-DFEA-983DA1397459}"/>
-              </a:ext>
-            </a:extLst>
-          </p:cNvPr>
-          <p:cNvSpPr>
-            <a:spLocks noGrp="1"/>
-          </p:cNvSpPr>
-          <p:nvPr>
-            <p:ph type="title"/>
-          </p:nvPr>
-        </p:nvSpPr>
-        <p:spPr>
-          <a:xfrm>
-            <a:off x="588263" y="457200"/>
-            <a:ext cx="11018520" cy="553998"/>
-          </a:xfrm>
-        </p:spPr>
-        <p:txBody>
-          <a:bodyPr wrap="square" anchor="t">
-            <a:normAutofit/>
-          </a:bodyPr>
-          <a:lstStyle/>
-          <a:p>
-            <a:r>
-              <a:rPr lang="en-US" dirty="0"/>
-              <a:t>Retrieval and context augmentation</a:t>
-            </a:r>
-          </a:p>
-        </p:txBody>
-      </p:sp>
       <p:pic>
         <p:nvPicPr>
-          <p:cNvPr id="2" name="Picture 2">
+          <p:cNvPr id="2" name="Picture 2" descr="A diagram showing how the user question is transformed into a vector by send it to the embedding model">
             <a:extLst>
               <a:ext uri="{FF2B5EF4-FFF2-40B4-BE49-F238E27FC236}">
                 <a16:creationId xmlns:a16="http://schemas.microsoft.com/office/drawing/2014/main" id="{FCFAAFEC-6987-8182-B5AB-EDED3A72B6FF}"/>
@@ -34454,6 +35373,9 @@
             <a:extLst>
               <a:ext uri="{FF2B5EF4-FFF2-40B4-BE49-F238E27FC236}">
                 <a16:creationId xmlns:a16="http://schemas.microsoft.com/office/drawing/2014/main" id="{D5BFA20E-4E62-852F-9459-E2FC9602D06C}"/>
+              </a:ext>
+              <a:ext uri="{C183D7F6-B498-43B3-948B-1728B52AA6E4}">
+                <adec:decorative xmlns:adec="http://schemas.microsoft.com/office/drawing/2017/decorative" val="1"/>
               </a:ext>
             </a:extLst>
           </p:cNvPr>
@@ -34617,6 +35539,9 @@
               <a:ext uri="{FF2B5EF4-FFF2-40B4-BE49-F238E27FC236}">
                 <a16:creationId xmlns:a16="http://schemas.microsoft.com/office/drawing/2014/main" id="{DC87057B-7F9C-9730-4804-D5C975879255}"/>
               </a:ext>
+              <a:ext uri="{C183D7F6-B498-43B3-948B-1728B52AA6E4}">
+                <adec:decorative xmlns:adec="http://schemas.microsoft.com/office/drawing/2017/decorative" val="1"/>
+              </a:ext>
             </a:extLst>
           </p:cNvPr>
           <p:cNvSpPr/>
@@ -34688,6 +35613,9 @@
               <a:ext uri="{FF2B5EF4-FFF2-40B4-BE49-F238E27FC236}">
                 <a16:creationId xmlns:a16="http://schemas.microsoft.com/office/drawing/2014/main" id="{3F00BB14-DD29-41C4-E488-15CAAE75AEDB}"/>
               </a:ext>
+              <a:ext uri="{C183D7F6-B498-43B3-948B-1728B52AA6E4}">
+                <adec:decorative xmlns:adec="http://schemas.microsoft.com/office/drawing/2017/decorative" val="1"/>
+              </a:ext>
             </a:extLst>
           </p:cNvPr>
           <p:cNvSpPr/>
@@ -34758,6 +35686,9 @@
             <a:extLst>
               <a:ext uri="{FF2B5EF4-FFF2-40B4-BE49-F238E27FC236}">
                 <a16:creationId xmlns:a16="http://schemas.microsoft.com/office/drawing/2014/main" id="{438B6A17-B4FB-17F8-5A10-4E4F96EC61F1}"/>
+              </a:ext>
+              <a:ext uri="{C183D7F6-B498-43B3-948B-1728B52AA6E4}">
+                <adec:decorative xmlns:adec="http://schemas.microsoft.com/office/drawing/2017/decorative" val="1"/>
               </a:ext>
             </a:extLst>
           </p:cNvPr>
@@ -34920,6 +35851,9 @@
             <a:extLst>
               <a:ext uri="{FF2B5EF4-FFF2-40B4-BE49-F238E27FC236}">
                 <a16:creationId xmlns:a16="http://schemas.microsoft.com/office/drawing/2014/main" id="{36D2D87E-4237-6AAA-AF0F-45547F9E8597}"/>
+              </a:ext>
+              <a:ext uri="{C183D7F6-B498-43B3-948B-1728B52AA6E4}">
+                <adec:decorative xmlns:adec="http://schemas.microsoft.com/office/drawing/2017/decorative" val="1"/>
               </a:ext>
             </a:extLst>
           </p:cNvPr>
@@ -35174,6 +36108,9 @@
               <a:ext uri="{FF2B5EF4-FFF2-40B4-BE49-F238E27FC236}">
                 <a16:creationId xmlns:a16="http://schemas.microsoft.com/office/drawing/2014/main" id="{02E2F89A-1868-2AE4-62AA-9BD7DF1C879F}"/>
               </a:ext>
+              <a:ext uri="{C183D7F6-B498-43B3-948B-1728B52AA6E4}">
+                <adec:decorative xmlns:adec="http://schemas.microsoft.com/office/drawing/2017/decorative" val="1"/>
+              </a:ext>
             </a:extLst>
           </p:cNvPr>
           <p:cNvSpPr/>
@@ -35462,6 +36399,183 @@
                 </a:solidFill>
               </a:rPr>
               <a:t>vector</a:t>
+            </a:r>
+          </a:p>
+        </p:txBody>
+      </p:sp>
+      <p:sp>
+        <p:nvSpPr>
+          <p:cNvPr id="17" name="Title 16">
+            <a:extLst>
+              <a:ext uri="{FF2B5EF4-FFF2-40B4-BE49-F238E27FC236}">
+                <a16:creationId xmlns:a16="http://schemas.microsoft.com/office/drawing/2014/main" id="{DE1FBDD0-4A3A-CDAA-DFEA-983DA1397459}"/>
+              </a:ext>
+              <a:ext uri="{C183D7F6-B498-43B3-948B-1728B52AA6E4}">
+                <adec:decorative xmlns:adec="http://schemas.microsoft.com/office/drawing/2017/decorative" val="1"/>
+              </a:ext>
+            </a:extLst>
+          </p:cNvPr>
+          <p:cNvSpPr>
+            <a:spLocks/>
+          </p:cNvSpPr>
+          <p:nvPr/>
+        </p:nvSpPr>
+        <p:spPr>
+          <a:xfrm>
+            <a:off x="588263" y="457200"/>
+            <a:ext cx="11018520" cy="553998"/>
+          </a:xfrm>
+          <a:prstGeom prst="rect">
+            <a:avLst/>
+          </a:prstGeom>
+          <a:noFill/>
+          <a:ln>
+            <a:noFill/>
+            <a:prstDash/>
+          </a:ln>
+          <a:effectLst/>
+        </p:spPr>
+        <p:txBody>
+          <a:bodyPr rot="0" spcFirstLastPara="0" vertOverflow="overflow" horzOverflow="overflow" vert="horz" wrap="square" lIns="0" tIns="0" rIns="0" bIns="0" numCol="1" spcCol="0" rtlCol="0" fromWordArt="0" anchor="t" anchorCtr="0" forceAA="0" compatLnSpc="1">
+            <a:prstTxWarp prst="textNoShape">
+              <a:avLst/>
+            </a:prstTxWarp>
+            <a:normAutofit/>
+          </a:bodyPr>
+          <a:lstStyle/>
+          <a:p>
+            <a:pPr marL="0" marR="0" lvl="0" indent="0" algn="l" defTabSz="932742" rtl="0" eaLnBrk="1" fontAlgn="auto" latinLnBrk="0" hangingPunct="1">
+              <a:lnSpc>
+                <a:spcPct val="100000"/>
+              </a:lnSpc>
+              <a:spcBef>
+                <a:spcPct val="0"/>
+              </a:spcBef>
+              <a:spcAft>
+                <a:spcPts val="0"/>
+              </a:spcAft>
+              <a:buClrTx/>
+              <a:buSzTx/>
+              <a:buFontTx/>
+              <a:buNone/>
+              <a:tabLst/>
+              <a:defRPr/>
+            </a:pPr>
+            <a:r>
+              <a:rPr kumimoji="0" lang="en-US" sz="3600" b="0" i="0" u="none" strike="noStrike" kern="1200" cap="none" spc="-50" normalizeH="0" baseline="0" noProof="0" dirty="0">
+                <a:ln w="3175">
+                  <a:noFill/>
+                </a:ln>
+                <a:solidFill>
+                  <a:schemeClr val="tx2"/>
+                </a:solidFill>
+                <a:effectLst/>
+                <a:uLnTx/>
+                <a:uFillTx/>
+                <a:latin typeface="+mj-lt"/>
+                <a:ea typeface="+mn-ea"/>
+                <a:cs typeface="Segoe UI" pitchFamily="34" charset="0"/>
+              </a:rPr>
+              <a:t>Retrieval and context augmentation</a:t>
+            </a:r>
+          </a:p>
+        </p:txBody>
+      </p:sp>
+      <p:sp>
+        <p:nvSpPr>
+          <p:cNvPr id="18" name="Title 16">
+            <a:extLst>
+              <a:ext uri="{FF2B5EF4-FFF2-40B4-BE49-F238E27FC236}">
+                <a16:creationId xmlns:a16="http://schemas.microsoft.com/office/drawing/2014/main" id="{311E8679-AC48-517B-7BCB-218D0E224D8C}"/>
+              </a:ext>
+            </a:extLst>
+          </p:cNvPr>
+          <p:cNvSpPr txBox="1">
+            <a:spLocks noGrp="1"/>
+          </p:cNvSpPr>
+          <p:nvPr>
+            <p:ph type="title" idx="4294967295"/>
+          </p:nvPr>
+        </p:nvSpPr>
+        <p:spPr>
+          <a:xfrm>
+            <a:off x="137160" y="7135819"/>
+            <a:ext cx="11018520" cy="553998"/>
+          </a:xfrm>
+          <a:prstGeom prst="rect">
+            <a:avLst/>
+          </a:prstGeom>
+          <a:noFill/>
+          <a:ln>
+            <a:noFill/>
+            <a:prstDash/>
+          </a:ln>
+          <a:effectLst/>
+        </p:spPr>
+        <p:txBody>
+          <a:bodyPr rot="0" spcFirstLastPara="0" vertOverflow="overflow" horzOverflow="overflow" vert="horz" wrap="square" lIns="0" tIns="0" rIns="0" bIns="0" numCol="1" spcCol="0" rtlCol="0" fromWordArt="0" anchor="t" anchorCtr="0" forceAA="0" compatLnSpc="1">
+            <a:prstTxWarp prst="textNoShape">
+              <a:avLst/>
+            </a:prstTxWarp>
+            <a:normAutofit/>
+          </a:bodyPr>
+          <a:lstStyle>
+            <a:lvl1pPr algn="l" defTabSz="932742" rtl="0" eaLnBrk="1" latinLnBrk="0" hangingPunct="1">
+              <a:lnSpc>
+                <a:spcPct val="100000"/>
+              </a:lnSpc>
+              <a:spcBef>
+                <a:spcPct val="0"/>
+              </a:spcBef>
+              <a:buNone/>
+              <a:defRPr lang="en-US" sz="3600" b="0" kern="1200" cap="none" spc="-50" baseline="0">
+                <a:ln w="3175">
+                  <a:noFill/>
+                </a:ln>
+                <a:solidFill>
+                  <a:schemeClr val="tx2"/>
+                </a:solidFill>
+                <a:effectLst/>
+                <a:latin typeface="+mj-lt"/>
+                <a:ea typeface="+mn-ea"/>
+                <a:cs typeface="Segoe UI" pitchFamily="34" charset="0"/>
+              </a:defRPr>
+            </a:lvl1pPr>
+          </a:lstStyle>
+          <a:p>
+            <a:pPr marL="0" marR="0" lvl="0" indent="0" algn="l" defTabSz="932742" rtl="0" eaLnBrk="1" fontAlgn="auto" latinLnBrk="0" hangingPunct="1">
+              <a:lnSpc>
+                <a:spcPct val="100000"/>
+              </a:lnSpc>
+              <a:spcBef>
+                <a:spcPct val="0"/>
+              </a:spcBef>
+              <a:spcAft>
+                <a:spcPts val="0"/>
+              </a:spcAft>
+              <a:buClrTx/>
+              <a:buSzTx/>
+              <a:buFontTx/>
+              <a:buNone/>
+              <a:tabLst/>
+              <a:defRPr/>
+            </a:pPr>
+            <a:r>
+              <a:rPr kumimoji="0" lang="en-GB" sz="2400" b="0" i="0" u="none" strike="noStrike" kern="1200" cap="none" spc="-50" normalizeH="0" baseline="0" noProof="0" dirty="0">
+                <a:ln w="3175">
+                  <a:noFill/>
+                </a:ln>
+                <a:solidFill>
+                  <a:schemeClr val="tx1"/>
+                </a:solidFill>
+                <a:effectLst/>
+                <a:uLnTx/>
+                <a:uFillTx/>
+                <a:latin typeface="+mn-lt"/>
+                <a:ea typeface="+mn-ea"/>
+                <a:cs typeface="Segoe UI" pitchFamily="34" charset="0"/>
+              </a:rPr>
+              <a:t>Retrieval and context augmentation (2/4)</a:t>
             </a:r>
           </a:p>
         </p:txBody>

--- a/slides/03-rag.pptx
+++ b/slides/03-rag.pptx
@@ -2452,7 +2452,7 @@
           <a:p>
             <a:fld id="{855B53BB-9CA8-4E36-AA7C-C10D869BF69A}" type="datetimeFigureOut">
               <a:rPr lang="en-US" smtClean="0"/>
-              <a:t>9/27/24</a:t>
+              <a:t>9/30/24</a:t>
             </a:fld>
             <a:endParaRPr lang="en-US"/>
           </a:p>
@@ -3076,7 +3076,7 @@
                 <a:tabLst/>
                 <a:defRPr/>
               </a:pPr>
-              <a:t>9/27/24 3:36 PM</a:t>
+              <a:t>9/30/24 2:15 PM</a:t>
             </a:fld>
             <a:endParaRPr kumimoji="0" lang="en-US" sz="1200" b="0" i="0" u="none" strike="noStrike" kern="1200" cap="none" spc="0" normalizeH="0" baseline="0" noProof="0" dirty="0">
               <a:ln>
@@ -3508,7 +3508,7 @@
                 <a:tabLst/>
                 <a:defRPr/>
               </a:pPr>
-              <a:t>9/27/24 3:36 PM</a:t>
+              <a:t>9/30/24 2:15 PM</a:t>
             </a:fld>
             <a:endParaRPr kumimoji="0" lang="en-US" sz="1200" b="0" i="0" u="none" strike="noStrike" kern="1200" cap="none" spc="0" normalizeH="0" baseline="0" noProof="0" dirty="0">
               <a:ln>
@@ -3817,14 +3817,11 @@
               <a:buChar char="•"/>
             </a:pPr>
             <a:r>
-              <a:rPr lang="en-FR">
+              <a:rPr lang="en-FR" dirty="0">
                 <a:effectLst/>
               </a:rPr>
               <a:t>It simply says “I don’t know”, because that’s what we told the model to say when it can’t answer a question using the documents we provide.</a:t>
             </a:r>
-            <a:endParaRPr lang="en-FR" dirty="0">
-              <a:effectLst/>
-            </a:endParaRPr>
           </a:p>
           <a:p>
             <a:pPr marL="171450" indent="-171450">
@@ -3878,7 +3875,7 @@
                 </a:highlight>
                 <a:latin typeface="Segoe Sans Text Semibold" pitchFamily="2" charset="0"/>
               </a:rPr>
-              <a:t>Next video: We’ll see how you can s</a:t>
+              <a:t>Next session: We’ll see how you can s</a:t>
             </a:r>
             <a:r>
               <a:rPr lang="en-GB" b="0" i="1" dirty="0">
@@ -4031,10 +4028,7 @@
           <a:bodyPr/>
           <a:lstStyle/>
           <a:p>
-            <a:r>
-              <a:rPr lang="en-FR" dirty="0"/>
-              <a:t>Next video: Improve AI accuracy and reliability with RAG</a:t>
-            </a:r>
+            <a:endParaRPr lang="en-FR" dirty="0"/>
           </a:p>
         </p:txBody>
       </p:sp>
@@ -4385,7 +4379,7 @@
                 <a:tabLst/>
                 <a:defRPr/>
               </a:pPr>
-              <a:t>9/27/24 3:20 PM</a:t>
+              <a:t>9/30/24 2:15 PM</a:t>
             </a:fld>
             <a:endParaRPr kumimoji="0" lang="en-US" sz="1200" b="0" i="0" u="none" strike="noStrike" kern="1200" cap="none" spc="0" normalizeH="0" baseline="0" noProof="0" dirty="0">
               <a:ln>
@@ -4873,7 +4867,7 @@
                 <a:tabLst/>
                 <a:defRPr/>
               </a:pPr>
-              <a:t>9/27/24 3:20 PM</a:t>
+              <a:t>9/30/24 2:15 PM</a:t>
             </a:fld>
             <a:endParaRPr kumimoji="0" lang="en-US" sz="1200" b="0" i="0" u="none" strike="noStrike" kern="1200" cap="none" spc="0" normalizeH="0" baseline="0" noProof="0" dirty="0">
               <a:ln>
@@ -5301,7 +5295,7 @@
                 <a:tabLst/>
                 <a:defRPr/>
               </a:pPr>
-              <a:t>9/27/24 3:20 PM</a:t>
+              <a:t>9/30/24 2:15 PM</a:t>
             </a:fld>
             <a:endParaRPr kumimoji="0" lang="en-US" sz="1200" b="0" i="0" u="none" strike="noStrike" kern="1200" cap="none" spc="0" normalizeH="0" baseline="0" noProof="0" dirty="0">
               <a:ln>
@@ -5769,7 +5763,7 @@
                 <a:tabLst/>
                 <a:defRPr/>
               </a:pPr>
-              <a:t>9/27/24 3:20 PM</a:t>
+              <a:t>9/30/24 2:15 PM</a:t>
             </a:fld>
             <a:endParaRPr kumimoji="0" lang="en-US" sz="1200" b="0" i="0" u="none" strike="noStrike" kern="1200" cap="none" spc="0" normalizeH="0" baseline="0" noProof="0" dirty="0">
               <a:ln>
@@ -6266,7 +6260,7 @@
                 <a:tabLst/>
                 <a:defRPr/>
               </a:pPr>
-              <a:t>9/27/24 3:20 PM</a:t>
+              <a:t>9/30/24 2:15 PM</a:t>
             </a:fld>
             <a:endParaRPr kumimoji="0" lang="en-US" sz="1200" b="0" i="0" u="none" strike="noStrike" kern="1200" cap="none" spc="0" normalizeH="0" baseline="0" noProof="0" dirty="0">
               <a:ln>
@@ -6686,7 +6680,7 @@
                 <a:tabLst/>
                 <a:defRPr/>
               </a:pPr>
-              <a:t>9/27/24 3:33 PM</a:t>
+              <a:t>9/30/24 2:15 PM</a:t>
             </a:fld>
             <a:endParaRPr kumimoji="0" lang="en-US" sz="1200" b="0" i="0" u="none" strike="noStrike" kern="1200" cap="none" spc="0" normalizeH="0" baseline="0" noProof="0" dirty="0">
               <a:ln>
@@ -7102,7 +7096,7 @@
                 <a:tabLst/>
                 <a:defRPr/>
               </a:pPr>
-              <a:t>9/27/24 3:35 PM</a:t>
+              <a:t>9/30/24 2:15 PM</a:t>
             </a:fld>
             <a:endParaRPr kumimoji="0" lang="en-US" sz="1200" b="0" i="0" u="none" strike="noStrike" kern="1200" cap="none" spc="0" normalizeH="0" baseline="0" noProof="0" dirty="0">
               <a:ln>
@@ -7493,7 +7487,7 @@
                 <a:tabLst/>
                 <a:defRPr/>
               </a:pPr>
-              <a:t>9/27/24 3:36 PM</a:t>
+              <a:t>9/30/24 2:15 PM</a:t>
             </a:fld>
             <a:endParaRPr kumimoji="0" lang="en-US" sz="1200" b="0" i="0" u="none" strike="noStrike" kern="1200" cap="none" spc="0" normalizeH="0" baseline="0" noProof="0" dirty="0">
               <a:ln>
